--- a/tpresentation2.pptx
+++ b/tpresentation2.pptx
@@ -1,27 +1,27 @@
 
 <file path=ppt/presentation.xml><?xml version="1.0" encoding="utf-8"?>
-<p:presentation xmlns:a="http://schemas.openxmlformats.org/drawingml/2006/main" xmlns:r="http://schemas.openxmlformats.org/officeDocument/2006/relationships" xmlns:mc="http://schemas.openxmlformats.org/markup-compatibility/2006" xmlns:mv="urn:schemas-microsoft-com:mac:vml" xmlns:p="http://schemas.openxmlformats.org/presentationml/2006/main" xmlns:c="http://schemas.openxmlformats.org/drawingml/2006/chart" xmlns:dgm="http://schemas.openxmlformats.org/drawingml/2006/diagram" xmlns:o="urn:schemas-microsoft-com:office:office" xmlns:v="urn:schemas-microsoft-com:vml" xmlns:pvml="urn:schemas-microsoft-com:office:powerpoint" xmlns:com="http://schemas.openxmlformats.org/drawingml/2006/compatibility" xmlns:p14="http://schemas.microsoft.com/office/powerpoint/2010/main" xmlns:p15="http://schemas.microsoft.com/office/powerpoint/2012/main" autoCompressPictures="0" embedTrueTypeFonts="1" strictFirstAndLastChars="0" saveSubsetFonts="1">
+<p:presentation xmlns:a="http://schemas.openxmlformats.org/drawingml/2006/main" xmlns:r="http://schemas.openxmlformats.org/officeDocument/2006/relationships" xmlns:p="http://schemas.openxmlformats.org/presentationml/2006/main" strictFirstAndLastChars="0" embedTrueTypeFonts="1" saveSubsetFonts="1" autoCompressPictures="0">
   <p:sldMasterIdLst>
-    <p:sldMasterId id="2147483659" r:id="rId4"/>
+    <p:sldMasterId id="2147483659" r:id="rId1"/>
   </p:sldMasterIdLst>
   <p:notesMasterIdLst>
-    <p:notesMasterId r:id="rId5"/>
+    <p:notesMasterId r:id="rId3"/>
   </p:notesMasterIdLst>
   <p:sldIdLst>
-    <p:sldId id="256" r:id="rId6"/>
+    <p:sldId id="256" r:id="rId2"/>
   </p:sldIdLst>
-  <p:sldSz cy="5143500" cx="9144000"/>
+  <p:sldSz cx="9144000" cy="5143500" type="screen16x9"/>
   <p:notesSz cx="6858000" cy="9144000"/>
   <p:embeddedFontLst>
     <p:embeddedFont>
-      <p:font typeface="Old Standard TT"/>
-      <p:regular r:id="rId7"/>
-      <p:bold r:id="rId8"/>
-      <p:italic r:id="rId9"/>
+      <p:font typeface="Old Standard TT" panose="020B0604020202020204" charset="0"/>
+      <p:regular r:id="rId4"/>
+      <p:bold r:id="rId5"/>
+      <p:italic r:id="rId6"/>
     </p:embeddedFont>
   </p:embeddedFontLst>
   <p:defaultTextStyle>
-    <a:defPPr lvl="0" marR="0" rtl="0" algn="l">
+    <a:defPPr marR="0" lvl="0" algn="l" rtl="0">
       <a:lnSpc>
         <a:spcPct val="100000"/>
       </a:lnSpc>
@@ -32,7 +32,7 @@
         <a:spcPts val="0"/>
       </a:spcAft>
     </a:defPPr>
-    <a:lvl1pPr lvl="0" marR="0" rtl="0" algn="l">
+    <a:lvl1pPr marR="0" lvl="0" algn="l" rtl="0">
       <a:lnSpc>
         <a:spcPct val="100000"/>
       </a:lnSpc>
@@ -46,7 +46,7 @@
         <a:srgbClr val="000000"/>
       </a:buClr>
       <a:buFont typeface="Arial"/>
-      <a:defRPr b="0" i="0" sz="1400" u="none" cap="none" strike="noStrike">
+      <a:defRPr sz="1400" b="0" i="0" u="none" strike="noStrike" cap="none">
         <a:solidFill>
           <a:srgbClr val="000000"/>
         </a:solidFill>
@@ -56,7 +56,7 @@
         <a:sym typeface="Arial"/>
       </a:defRPr>
     </a:lvl1pPr>
-    <a:lvl2pPr lvl="1" marR="0" rtl="0" algn="l">
+    <a:lvl2pPr marR="0" lvl="1" algn="l" rtl="0">
       <a:lnSpc>
         <a:spcPct val="100000"/>
       </a:lnSpc>
@@ -70,7 +70,7 @@
         <a:srgbClr val="000000"/>
       </a:buClr>
       <a:buFont typeface="Arial"/>
-      <a:defRPr b="0" i="0" sz="1400" u="none" cap="none" strike="noStrike">
+      <a:defRPr sz="1400" b="0" i="0" u="none" strike="noStrike" cap="none">
         <a:solidFill>
           <a:srgbClr val="000000"/>
         </a:solidFill>
@@ -80,7 +80,7 @@
         <a:sym typeface="Arial"/>
       </a:defRPr>
     </a:lvl2pPr>
-    <a:lvl3pPr lvl="2" marR="0" rtl="0" algn="l">
+    <a:lvl3pPr marR="0" lvl="2" algn="l" rtl="0">
       <a:lnSpc>
         <a:spcPct val="100000"/>
       </a:lnSpc>
@@ -94,7 +94,7 @@
         <a:srgbClr val="000000"/>
       </a:buClr>
       <a:buFont typeface="Arial"/>
-      <a:defRPr b="0" i="0" sz="1400" u="none" cap="none" strike="noStrike">
+      <a:defRPr sz="1400" b="0" i="0" u="none" strike="noStrike" cap="none">
         <a:solidFill>
           <a:srgbClr val="000000"/>
         </a:solidFill>
@@ -104,7 +104,7 @@
         <a:sym typeface="Arial"/>
       </a:defRPr>
     </a:lvl3pPr>
-    <a:lvl4pPr lvl="3" marR="0" rtl="0" algn="l">
+    <a:lvl4pPr marR="0" lvl="3" algn="l" rtl="0">
       <a:lnSpc>
         <a:spcPct val="100000"/>
       </a:lnSpc>
@@ -118,7 +118,7 @@
         <a:srgbClr val="000000"/>
       </a:buClr>
       <a:buFont typeface="Arial"/>
-      <a:defRPr b="0" i="0" sz="1400" u="none" cap="none" strike="noStrike">
+      <a:defRPr sz="1400" b="0" i="0" u="none" strike="noStrike" cap="none">
         <a:solidFill>
           <a:srgbClr val="000000"/>
         </a:solidFill>
@@ -128,7 +128,7 @@
         <a:sym typeface="Arial"/>
       </a:defRPr>
     </a:lvl4pPr>
-    <a:lvl5pPr lvl="4" marR="0" rtl="0" algn="l">
+    <a:lvl5pPr marR="0" lvl="4" algn="l" rtl="0">
       <a:lnSpc>
         <a:spcPct val="100000"/>
       </a:lnSpc>
@@ -142,7 +142,7 @@
         <a:srgbClr val="000000"/>
       </a:buClr>
       <a:buFont typeface="Arial"/>
-      <a:defRPr b="0" i="0" sz="1400" u="none" cap="none" strike="noStrike">
+      <a:defRPr sz="1400" b="0" i="0" u="none" strike="noStrike" cap="none">
         <a:solidFill>
           <a:srgbClr val="000000"/>
         </a:solidFill>
@@ -152,7 +152,7 @@
         <a:sym typeface="Arial"/>
       </a:defRPr>
     </a:lvl5pPr>
-    <a:lvl6pPr lvl="5" marR="0" rtl="0" algn="l">
+    <a:lvl6pPr marR="0" lvl="5" algn="l" rtl="0">
       <a:lnSpc>
         <a:spcPct val="100000"/>
       </a:lnSpc>
@@ -166,7 +166,7 @@
         <a:srgbClr val="000000"/>
       </a:buClr>
       <a:buFont typeface="Arial"/>
-      <a:defRPr b="0" i="0" sz="1400" u="none" cap="none" strike="noStrike">
+      <a:defRPr sz="1400" b="0" i="0" u="none" strike="noStrike" cap="none">
         <a:solidFill>
           <a:srgbClr val="000000"/>
         </a:solidFill>
@@ -176,7 +176,7 @@
         <a:sym typeface="Arial"/>
       </a:defRPr>
     </a:lvl6pPr>
-    <a:lvl7pPr lvl="6" marR="0" rtl="0" algn="l">
+    <a:lvl7pPr marR="0" lvl="6" algn="l" rtl="0">
       <a:lnSpc>
         <a:spcPct val="100000"/>
       </a:lnSpc>
@@ -190,7 +190,7 @@
         <a:srgbClr val="000000"/>
       </a:buClr>
       <a:buFont typeface="Arial"/>
-      <a:defRPr b="0" i="0" sz="1400" u="none" cap="none" strike="noStrike">
+      <a:defRPr sz="1400" b="0" i="0" u="none" strike="noStrike" cap="none">
         <a:solidFill>
           <a:srgbClr val="000000"/>
         </a:solidFill>
@@ -200,7 +200,7 @@
         <a:sym typeface="Arial"/>
       </a:defRPr>
     </a:lvl7pPr>
-    <a:lvl8pPr lvl="7" marR="0" rtl="0" algn="l">
+    <a:lvl8pPr marR="0" lvl="7" algn="l" rtl="0">
       <a:lnSpc>
         <a:spcPct val="100000"/>
       </a:lnSpc>
@@ -214,7 +214,7 @@
         <a:srgbClr val="000000"/>
       </a:buClr>
       <a:buFont typeface="Arial"/>
-      <a:defRPr b="0" i="0" sz="1400" u="none" cap="none" strike="noStrike">
+      <a:defRPr sz="1400" b="0" i="0" u="none" strike="noStrike" cap="none">
         <a:solidFill>
           <a:srgbClr val="000000"/>
         </a:solidFill>
@@ -224,7 +224,7 @@
         <a:sym typeface="Arial"/>
       </a:defRPr>
     </a:lvl8pPr>
-    <a:lvl9pPr lvl="8" marR="0" rtl="0" algn="l">
+    <a:lvl9pPr marR="0" lvl="8" algn="l" rtl="0">
       <a:lnSpc>
         <a:spcPct val="100000"/>
       </a:lnSpc>
@@ -238,7 +238,7 @@
         <a:srgbClr val="000000"/>
       </a:buClr>
       <a:buFont typeface="Arial"/>
-      <a:defRPr b="0" i="0" sz="1400" u="none" cap="none" strike="noStrike">
+      <a:defRPr sz="1400" b="0" i="0" u="none" strike="noStrike" cap="none">
         <a:solidFill>
           <a:srgbClr val="000000"/>
         </a:solidFill>
@@ -251,7 +251,7 @@
   </p:defaultTextStyle>
   <p:extLst>
     <p:ext uri="{EFAFB233-063F-42B5-8137-9DF3F51BA10A}">
-      <p15:sldGuideLst>
+      <p15:sldGuideLst xmlns:p15="http://schemas.microsoft.com/office/powerpoint/2012/main" xmlns:p14="http://schemas.microsoft.com/office/powerpoint/2010/main" xmlns:com="http://schemas.openxmlformats.org/drawingml/2006/compatibility" xmlns:pvml="urn:schemas-microsoft-com:office:powerpoint" xmlns:v="urn:schemas-microsoft-com:vml" xmlns:o="urn:schemas-microsoft-com:office:office" xmlns:dgm="http://schemas.openxmlformats.org/drawingml/2006/diagram" xmlns:c="http://schemas.openxmlformats.org/drawingml/2006/chart" xmlns:mv="urn:schemas-microsoft-com:mac:vml" xmlns:mc="http://schemas.openxmlformats.org/markup-compatibility/2006" xmlns="">
         <p15:guide id="1" orient="horz" pos="1620">
           <p15:clr>
             <a:srgbClr val="A4A3A4"/>
@@ -269,11 +269,16 @@
 </file>
 
 <file path=ppt/notesMasters/notesMaster1.xml><?xml version="1.0" encoding="utf-8"?>
-<p:notesMaster xmlns:a="http://schemas.openxmlformats.org/drawingml/2006/main" xmlns:r="http://schemas.openxmlformats.org/officeDocument/2006/relationships" xmlns:mc="http://schemas.openxmlformats.org/markup-compatibility/2006" xmlns:mv="urn:schemas-microsoft-com:mac:vml" xmlns:p="http://schemas.openxmlformats.org/presentationml/2006/main" xmlns:c="http://schemas.openxmlformats.org/drawingml/2006/chart" xmlns:dgm="http://schemas.openxmlformats.org/drawingml/2006/diagram" xmlns:o="urn:schemas-microsoft-com:office:office" xmlns:v="urn:schemas-microsoft-com:vml" xmlns:pvml="urn:schemas-microsoft-com:office:powerpoint" xmlns:com="http://schemas.openxmlformats.org/drawingml/2006/compatibility" xmlns:p14="http://schemas.microsoft.com/office/powerpoint/2010/main" xmlns:p15="http://schemas.microsoft.com/office/powerpoint/2012/main">
+<p:notesMaster xmlns:a="http://schemas.openxmlformats.org/drawingml/2006/main" xmlns:r="http://schemas.openxmlformats.org/officeDocument/2006/relationships" xmlns:p="http://schemas.openxmlformats.org/presentationml/2006/main">
   <p:cSld>
+    <p:bg>
+      <p:bgRef idx="1001">
+        <a:schemeClr val="bg1"/>
+      </p:bgRef>
+    </p:bg>
     <p:spTree>
       <p:nvGrpSpPr>
-        <p:cNvPr id="2" name="Shape 2"/>
+        <p:cNvPr id="1" name="Shape 2"/>
         <p:cNvGrpSpPr/>
         <p:nvPr/>
       </p:nvGrpSpPr>
@@ -288,9 +293,11 @@
       <p:sp>
         <p:nvSpPr>
           <p:cNvPr id="3" name="Google Shape;3;n"/>
-          <p:cNvSpPr/>
+          <p:cNvSpPr>
+            <a:spLocks noGrp="1" noRot="1" noChangeAspect="1"/>
+          </p:cNvSpPr>
           <p:nvPr>
-            <p:ph idx="2" type="sldImg"/>
+            <p:ph type="sldImg" idx="2"/>
           </p:nvPr>
         </p:nvSpPr>
         <p:spPr>
@@ -299,9 +306,13 @@
             <a:ext cx="6096075" cy="3429000"/>
           </a:xfrm>
           <a:custGeom>
-            <a:rect b="b" l="l" r="r" t="t"/>
+            <a:avLst/>
+            <a:gdLst/>
+            <a:ahLst/>
+            <a:cxnLst/>
+            <a:rect l="l" t="t" r="r" b="b"/>
             <a:pathLst>
-              <a:path extrusionOk="0" h="120000" w="120000">
+              <a:path w="120000" h="120000" extrusionOk="0">
                 <a:moveTo>
                   <a:pt x="0" y="0"/>
                 </a:moveTo>
@@ -319,23 +330,25 @@
             </a:pathLst>
           </a:custGeom>
           <a:noFill/>
-          <a:ln cap="flat" cmpd="sng" w="9525">
+          <a:ln w="9525" cap="flat" cmpd="sng">
             <a:solidFill>
               <a:srgbClr val="000000"/>
             </a:solidFill>
             <a:prstDash val="solid"/>
             <a:round/>
-            <a:headEnd len="sm" w="sm" type="none"/>
-            <a:tailEnd len="sm" w="sm" type="none"/>
+            <a:headEnd type="none" w="sm" len="sm"/>
+            <a:tailEnd type="none" w="sm" len="sm"/>
           </a:ln>
         </p:spPr>
       </p:sp>
       <p:sp>
         <p:nvSpPr>
           <p:cNvPr id="4" name="Google Shape;4;n"/>
-          <p:cNvSpPr txBox="1"/>
+          <p:cNvSpPr txBox="1">
+            <a:spLocks noGrp="1"/>
+          </p:cNvSpPr>
           <p:nvPr>
-            <p:ph idx="1" type="body"/>
+            <p:ph type="body" idx="1"/>
           </p:nvPr>
         </p:nvSpPr>
         <p:spPr>
@@ -352,11 +365,11 @@
           </a:ln>
         </p:spPr>
         <p:txBody>
-          <a:bodyPr anchorCtr="0" anchor="t" bIns="91425" lIns="91425" spcFirstLastPara="1" rIns="91425" wrap="square" tIns="91425">
+          <a:bodyPr spcFirstLastPara="1" wrap="square" lIns="91425" tIns="91425" rIns="91425" bIns="91425" anchor="t" anchorCtr="0">
             <a:noAutofit/>
           </a:bodyPr>
           <a:lstStyle>
-            <a:lvl1pPr indent="-298450" lvl="0" marL="457200">
+            <a:lvl1pPr marL="457200" lvl="0" indent="-298450">
               <a:spcBef>
                 <a:spcPts val="0"/>
               </a:spcBef>
@@ -367,7 +380,7 @@
               <a:buChar char="●"/>
               <a:defRPr sz="1100"/>
             </a:lvl1pPr>
-            <a:lvl2pPr indent="-298450" lvl="1" marL="914400">
+            <a:lvl2pPr marL="914400" lvl="1" indent="-298450">
               <a:spcBef>
                 <a:spcPts val="0"/>
               </a:spcBef>
@@ -378,7 +391,7 @@
               <a:buChar char="○"/>
               <a:defRPr sz="1100"/>
             </a:lvl2pPr>
-            <a:lvl3pPr indent="-298450" lvl="2" marL="1371600">
+            <a:lvl3pPr marL="1371600" lvl="2" indent="-298450">
               <a:spcBef>
                 <a:spcPts val="0"/>
               </a:spcBef>
@@ -389,7 +402,7 @@
               <a:buChar char="■"/>
               <a:defRPr sz="1100"/>
             </a:lvl3pPr>
-            <a:lvl4pPr indent="-298450" lvl="3" marL="1828800">
+            <a:lvl4pPr marL="1828800" lvl="3" indent="-298450">
               <a:spcBef>
                 <a:spcPts val="0"/>
               </a:spcBef>
@@ -400,7 +413,7 @@
               <a:buChar char="●"/>
               <a:defRPr sz="1100"/>
             </a:lvl4pPr>
-            <a:lvl5pPr indent="-298450" lvl="4" marL="2286000">
+            <a:lvl5pPr marL="2286000" lvl="4" indent="-298450">
               <a:spcBef>
                 <a:spcPts val="0"/>
               </a:spcBef>
@@ -411,7 +424,7 @@
               <a:buChar char="○"/>
               <a:defRPr sz="1100"/>
             </a:lvl5pPr>
-            <a:lvl6pPr indent="-298450" lvl="5" marL="2743200">
+            <a:lvl6pPr marL="2743200" lvl="5" indent="-298450">
               <a:spcBef>
                 <a:spcPts val="0"/>
               </a:spcBef>
@@ -422,7 +435,7 @@
               <a:buChar char="■"/>
               <a:defRPr sz="1100"/>
             </a:lvl6pPr>
-            <a:lvl7pPr indent="-298450" lvl="6" marL="3200400">
+            <a:lvl7pPr marL="3200400" lvl="6" indent="-298450">
               <a:spcBef>
                 <a:spcPts val="0"/>
               </a:spcBef>
@@ -433,7 +446,7 @@
               <a:buChar char="●"/>
               <a:defRPr sz="1100"/>
             </a:lvl7pPr>
-            <a:lvl8pPr indent="-298450" lvl="7" marL="3657600">
+            <a:lvl8pPr marL="3657600" lvl="7" indent="-298450">
               <a:spcBef>
                 <a:spcPts val="0"/>
               </a:spcBef>
@@ -444,7 +457,7 @@
               <a:buChar char="○"/>
               <a:defRPr sz="1100"/>
             </a:lvl8pPr>
-            <a:lvl9pPr indent="-298450" lvl="8" marL="4114800">
+            <a:lvl9pPr marL="4114800" lvl="8" indent="-298450">
               <a:spcBef>
                 <a:spcPts val="0"/>
               </a:spcBef>
@@ -456,14 +469,21 @@
               <a:defRPr sz="1100"/>
             </a:lvl9pPr>
           </a:lstStyle>
-          <a:p/>
+          <a:p>
+            <a:endParaRPr/>
+          </a:p>
         </p:txBody>
       </p:sp>
     </p:spTree>
+    <p:extLst>
+      <p:ext uri="{BB962C8B-B14F-4D97-AF65-F5344CB8AC3E}">
+        <p14:creationId xmlns:p14="http://schemas.microsoft.com/office/powerpoint/2010/main" val="126120547"/>
+      </p:ext>
+    </p:extLst>
   </p:cSld>
-  <p:clrMap accent1="accent1" accent2="accent2" accent3="accent3" accent4="accent4" accent5="accent5" accent6="accent6" bg1="lt1" bg2="dk2" tx1="dk1" tx2="lt2" folHlink="folHlink" hlink="hlink"/>
+  <p:clrMap bg1="lt1" tx1="dk1" bg2="dk2" tx2="lt2" accent1="accent1" accent2="accent2" accent3="accent3" accent4="accent4" accent5="accent5" accent6="accent6" hlink="hlink" folHlink="folHlink"/>
   <p:notesStyle>
-    <a:defPPr lvl="0" marR="0" rtl="0" algn="l">
+    <a:defPPr marR="0" lvl="0" algn="l" rtl="0">
       <a:lnSpc>
         <a:spcPct val="100000"/>
       </a:lnSpc>
@@ -474,7 +494,7 @@
         <a:spcPts val="0"/>
       </a:spcAft>
     </a:defPPr>
-    <a:lvl1pPr lvl="0" marR="0" rtl="0" algn="l">
+    <a:lvl1pPr marR="0" lvl="0" algn="l" rtl="0">
       <a:lnSpc>
         <a:spcPct val="100000"/>
       </a:lnSpc>
@@ -488,7 +508,7 @@
         <a:srgbClr val="000000"/>
       </a:buClr>
       <a:buFont typeface="Arial"/>
-      <a:defRPr b="0" i="0" sz="1400" u="none" cap="none" strike="noStrike">
+      <a:defRPr sz="1400" b="0" i="0" u="none" strike="noStrike" cap="none">
         <a:solidFill>
           <a:srgbClr val="000000"/>
         </a:solidFill>
@@ -498,7 +518,7 @@
         <a:sym typeface="Arial"/>
       </a:defRPr>
     </a:lvl1pPr>
-    <a:lvl2pPr lvl="1" marR="0" rtl="0" algn="l">
+    <a:lvl2pPr marR="0" lvl="1" algn="l" rtl="0">
       <a:lnSpc>
         <a:spcPct val="100000"/>
       </a:lnSpc>
@@ -512,7 +532,7 @@
         <a:srgbClr val="000000"/>
       </a:buClr>
       <a:buFont typeface="Arial"/>
-      <a:defRPr b="0" i="0" sz="1400" u="none" cap="none" strike="noStrike">
+      <a:defRPr sz="1400" b="0" i="0" u="none" strike="noStrike" cap="none">
         <a:solidFill>
           <a:srgbClr val="000000"/>
         </a:solidFill>
@@ -522,7 +542,7 @@
         <a:sym typeface="Arial"/>
       </a:defRPr>
     </a:lvl2pPr>
-    <a:lvl3pPr lvl="2" marR="0" rtl="0" algn="l">
+    <a:lvl3pPr marR="0" lvl="2" algn="l" rtl="0">
       <a:lnSpc>
         <a:spcPct val="100000"/>
       </a:lnSpc>
@@ -536,7 +556,7 @@
         <a:srgbClr val="000000"/>
       </a:buClr>
       <a:buFont typeface="Arial"/>
-      <a:defRPr b="0" i="0" sz="1400" u="none" cap="none" strike="noStrike">
+      <a:defRPr sz="1400" b="0" i="0" u="none" strike="noStrike" cap="none">
         <a:solidFill>
           <a:srgbClr val="000000"/>
         </a:solidFill>
@@ -546,7 +566,7 @@
         <a:sym typeface="Arial"/>
       </a:defRPr>
     </a:lvl3pPr>
-    <a:lvl4pPr lvl="3" marR="0" rtl="0" algn="l">
+    <a:lvl4pPr marR="0" lvl="3" algn="l" rtl="0">
       <a:lnSpc>
         <a:spcPct val="100000"/>
       </a:lnSpc>
@@ -560,7 +580,7 @@
         <a:srgbClr val="000000"/>
       </a:buClr>
       <a:buFont typeface="Arial"/>
-      <a:defRPr b="0" i="0" sz="1400" u="none" cap="none" strike="noStrike">
+      <a:defRPr sz="1400" b="0" i="0" u="none" strike="noStrike" cap="none">
         <a:solidFill>
           <a:srgbClr val="000000"/>
         </a:solidFill>
@@ -570,7 +590,7 @@
         <a:sym typeface="Arial"/>
       </a:defRPr>
     </a:lvl4pPr>
-    <a:lvl5pPr lvl="4" marR="0" rtl="0" algn="l">
+    <a:lvl5pPr marR="0" lvl="4" algn="l" rtl="0">
       <a:lnSpc>
         <a:spcPct val="100000"/>
       </a:lnSpc>
@@ -584,7 +604,7 @@
         <a:srgbClr val="000000"/>
       </a:buClr>
       <a:buFont typeface="Arial"/>
-      <a:defRPr b="0" i="0" sz="1400" u="none" cap="none" strike="noStrike">
+      <a:defRPr sz="1400" b="0" i="0" u="none" strike="noStrike" cap="none">
         <a:solidFill>
           <a:srgbClr val="000000"/>
         </a:solidFill>
@@ -594,7 +614,7 @@
         <a:sym typeface="Arial"/>
       </a:defRPr>
     </a:lvl5pPr>
-    <a:lvl6pPr lvl="5" marR="0" rtl="0" algn="l">
+    <a:lvl6pPr marR="0" lvl="5" algn="l" rtl="0">
       <a:lnSpc>
         <a:spcPct val="100000"/>
       </a:lnSpc>
@@ -608,7 +628,7 @@
         <a:srgbClr val="000000"/>
       </a:buClr>
       <a:buFont typeface="Arial"/>
-      <a:defRPr b="0" i="0" sz="1400" u="none" cap="none" strike="noStrike">
+      <a:defRPr sz="1400" b="0" i="0" u="none" strike="noStrike" cap="none">
         <a:solidFill>
           <a:srgbClr val="000000"/>
         </a:solidFill>
@@ -618,7 +638,7 @@
         <a:sym typeface="Arial"/>
       </a:defRPr>
     </a:lvl6pPr>
-    <a:lvl7pPr lvl="6" marR="0" rtl="0" algn="l">
+    <a:lvl7pPr marR="0" lvl="6" algn="l" rtl="0">
       <a:lnSpc>
         <a:spcPct val="100000"/>
       </a:lnSpc>
@@ -632,7 +652,7 @@
         <a:srgbClr val="000000"/>
       </a:buClr>
       <a:buFont typeface="Arial"/>
-      <a:defRPr b="0" i="0" sz="1400" u="none" cap="none" strike="noStrike">
+      <a:defRPr sz="1400" b="0" i="0" u="none" strike="noStrike" cap="none">
         <a:solidFill>
           <a:srgbClr val="000000"/>
         </a:solidFill>
@@ -642,7 +662,7 @@
         <a:sym typeface="Arial"/>
       </a:defRPr>
     </a:lvl7pPr>
-    <a:lvl8pPr lvl="7" marR="0" rtl="0" algn="l">
+    <a:lvl8pPr marR="0" lvl="7" algn="l" rtl="0">
       <a:lnSpc>
         <a:spcPct val="100000"/>
       </a:lnSpc>
@@ -656,7 +676,7 @@
         <a:srgbClr val="000000"/>
       </a:buClr>
       <a:buFont typeface="Arial"/>
-      <a:defRPr b="0" i="0" sz="1400" u="none" cap="none" strike="noStrike">
+      <a:defRPr sz="1400" b="0" i="0" u="none" strike="noStrike" cap="none">
         <a:solidFill>
           <a:srgbClr val="000000"/>
         </a:solidFill>
@@ -666,7 +686,7 @@
         <a:sym typeface="Arial"/>
       </a:defRPr>
     </a:lvl8pPr>
-    <a:lvl9pPr lvl="8" marR="0" rtl="0" algn="l">
+    <a:lvl9pPr marR="0" lvl="8" algn="l" rtl="0">
       <a:lnSpc>
         <a:spcPct val="100000"/>
       </a:lnSpc>
@@ -680,7 +700,7 @@
         <a:srgbClr val="000000"/>
       </a:buClr>
       <a:buFont typeface="Arial"/>
-      <a:defRPr b="0" i="0" sz="1400" u="none" cap="none" strike="noStrike">
+      <a:defRPr sz="1400" b="0" i="0" u="none" strike="noStrike" cap="none">
         <a:solidFill>
           <a:srgbClr val="000000"/>
         </a:solidFill>
@@ -695,11 +715,11 @@
 </file>
 
 <file path=ppt/notesSlides/notesSlide1.xml><?xml version="1.0" encoding="utf-8"?>
-<p:notes xmlns:a="http://schemas.openxmlformats.org/drawingml/2006/main" xmlns:r="http://schemas.openxmlformats.org/officeDocument/2006/relationships" xmlns:mc="http://schemas.openxmlformats.org/markup-compatibility/2006" xmlns:mv="urn:schemas-microsoft-com:mac:vml" xmlns:p="http://schemas.openxmlformats.org/presentationml/2006/main" xmlns:c="http://schemas.openxmlformats.org/drawingml/2006/chart" xmlns:dgm="http://schemas.openxmlformats.org/drawingml/2006/diagram" xmlns:o="urn:schemas-microsoft-com:office:office" xmlns:v="urn:schemas-microsoft-com:vml" xmlns:pvml="urn:schemas-microsoft-com:office:powerpoint" xmlns:com="http://schemas.openxmlformats.org/drawingml/2006/compatibility" xmlns:p14="http://schemas.microsoft.com/office/powerpoint/2010/main" xmlns:p15="http://schemas.microsoft.com/office/powerpoint/2012/main" showMasterPhAnim="0" showMasterSp="0">
+<p:notes xmlns:a="http://schemas.openxmlformats.org/drawingml/2006/main" xmlns:r="http://schemas.openxmlformats.org/officeDocument/2006/relationships" xmlns:p="http://schemas.openxmlformats.org/presentationml/2006/main" showMasterSp="0" showMasterPhAnim="0">
   <p:cSld>
     <p:spTree>
       <p:nvGrpSpPr>
-        <p:cNvPr id="55" name="Shape 55"/>
+        <p:cNvPr id="1" name="Shape 55"/>
         <p:cNvGrpSpPr/>
         <p:nvPr/>
       </p:nvGrpSpPr>
@@ -714,20 +734,26 @@
       <p:sp>
         <p:nvSpPr>
           <p:cNvPr id="56" name="Google Shape;56;p:notes"/>
-          <p:cNvSpPr/>
+          <p:cNvSpPr>
+            <a:spLocks noGrp="1" noRot="1" noChangeAspect="1"/>
+          </p:cNvSpPr>
           <p:nvPr>
-            <p:ph idx="2" type="sldImg"/>
+            <p:ph type="sldImg" idx="2"/>
           </p:nvPr>
         </p:nvSpPr>
         <p:spPr>
           <a:xfrm>
-            <a:off x="381300" y="685800"/>
-            <a:ext cx="6096075" cy="3429000"/>
+            <a:off x="381000" y="685800"/>
+            <a:ext cx="6096000" cy="3429000"/>
           </a:xfrm>
           <a:custGeom>
-            <a:rect b="b" l="l" r="r" t="t"/>
+            <a:avLst/>
+            <a:gdLst/>
+            <a:ahLst/>
+            <a:cxnLst/>
+            <a:rect l="l" t="t" r="r" b="b"/>
             <a:pathLst>
-              <a:path extrusionOk="0" h="120000" w="120000">
+              <a:path w="120000" h="120000" extrusionOk="0">
                 <a:moveTo>
                   <a:pt x="0" y="0"/>
                 </a:moveTo>
@@ -749,9 +775,11 @@
       <p:sp>
         <p:nvSpPr>
           <p:cNvPr id="57" name="Google Shape;57;p:notes"/>
-          <p:cNvSpPr txBox="1"/>
+          <p:cNvSpPr txBox="1">
+            <a:spLocks noGrp="1"/>
+          </p:cNvSpPr>
           <p:nvPr>
-            <p:ph idx="1" type="body"/>
+            <p:ph type="body" idx="1"/>
           </p:nvPr>
         </p:nvSpPr>
         <p:spPr>
@@ -764,12 +792,12 @@
           </a:prstGeom>
         </p:spPr>
         <p:txBody>
-          <a:bodyPr anchorCtr="0" anchor="t" bIns="91425" lIns="91425" spcFirstLastPara="1" rIns="91425" wrap="square" tIns="91425">
+          <a:bodyPr spcFirstLastPara="1" wrap="square" lIns="91425" tIns="91425" rIns="91425" bIns="91425" anchor="t" anchorCtr="0">
             <a:noAutofit/>
           </a:bodyPr>
           <a:lstStyle/>
           <a:p>
-            <a:pPr indent="0" lvl="0" marL="0" rtl="0" algn="l">
+            <a:pPr marL="0" lvl="0" indent="0" algn="l" rtl="0">
               <a:spcBef>
                 <a:spcPts val="0"/>
               </a:spcBef>
@@ -778,9 +806,6 @@
               </a:spcAft>
               <a:buNone/>
             </a:pPr>
-            <a:r>
-              <a:t/>
-            </a:r>
             <a:endParaRPr/>
           </a:p>
         </p:txBody>
@@ -794,18 +819,19 @@
 </file>
 
 <file path=ppt/slideLayouts/slideLayout1.xml><?xml version="1.0" encoding="utf-8"?>
-<p:sldLayout xmlns:a="http://schemas.openxmlformats.org/drawingml/2006/main" xmlns:r="http://schemas.openxmlformats.org/officeDocument/2006/relationships" xmlns:mc="http://schemas.openxmlformats.org/markup-compatibility/2006" xmlns:mv="urn:schemas-microsoft-com:mac:vml" xmlns:p="http://schemas.openxmlformats.org/presentationml/2006/main" xmlns:c="http://schemas.openxmlformats.org/drawingml/2006/chart" xmlns:dgm="http://schemas.openxmlformats.org/drawingml/2006/diagram" xmlns:o="urn:schemas-microsoft-com:office:office" xmlns:v="urn:schemas-microsoft-com:vml" xmlns:pvml="urn:schemas-microsoft-com:office:powerpoint" xmlns:com="http://schemas.openxmlformats.org/drawingml/2006/compatibility" xmlns:p14="http://schemas.microsoft.com/office/powerpoint/2010/main" xmlns:p15="http://schemas.microsoft.com/office/powerpoint/2012/main" matchingName="Title slide" type="title">
+<p:sldLayout xmlns:a="http://schemas.openxmlformats.org/drawingml/2006/main" xmlns:r="http://schemas.openxmlformats.org/officeDocument/2006/relationships" xmlns:p="http://schemas.openxmlformats.org/presentationml/2006/main" matchingName="Title slide" type="title">
   <p:cSld name="TITLE">
     <p:bg>
       <p:bgPr>
         <a:solidFill>
           <a:schemeClr val="dk1"/>
         </a:solidFill>
+        <a:effectLst/>
       </p:bgPr>
     </p:bg>
     <p:spTree>
       <p:nvGrpSpPr>
-        <p:cNvPr id="9" name="Shape 9"/>
+        <p:cNvPr id="1" name="Shape 9"/>
         <p:cNvGrpSpPr/>
         <p:nvPr/>
       </p:nvGrpSpPr>
@@ -839,12 +865,12 @@
           </a:ln>
         </p:spPr>
         <p:txBody>
-          <a:bodyPr anchorCtr="0" anchor="ctr" bIns="91425" lIns="91425" spcFirstLastPara="1" rIns="91425" wrap="square" tIns="91425">
+          <a:bodyPr spcFirstLastPara="1" wrap="square" lIns="91425" tIns="91425" rIns="91425" bIns="91425" anchor="ctr" anchorCtr="0">
             <a:noAutofit/>
           </a:bodyPr>
           <a:lstStyle/>
           <a:p>
-            <a:pPr indent="0" lvl="0" marL="0" rtl="0" algn="l">
+            <a:pPr marL="0" lvl="0" indent="0" algn="l" rtl="0">
               <a:spcBef>
                 <a:spcPts val="0"/>
               </a:spcBef>
@@ -853,9 +879,6 @@
               </a:spcAft>
               <a:buNone/>
             </a:pPr>
-            <a:r>
-              <a:t/>
-            </a:r>
             <a:endParaRPr/>
           </a:p>
         </p:txBody>
@@ -875,21 +898,23 @@
             <a:avLst/>
           </a:prstGeom>
           <a:noFill/>
-          <a:ln cap="flat" cmpd="sng" w="28575">
+          <a:ln w="28575" cap="flat" cmpd="sng">
             <a:solidFill>
               <a:schemeClr val="accent1"/>
             </a:solidFill>
             <a:prstDash val="solid"/>
             <a:round/>
-            <a:headEnd len="sm" w="sm" type="none"/>
-            <a:tailEnd len="sm" w="sm" type="none"/>
+            <a:headEnd type="none" w="sm" len="sm"/>
+            <a:tailEnd type="none" w="sm" len="sm"/>
           </a:ln>
         </p:spPr>
       </p:cxnSp>
       <p:sp>
         <p:nvSpPr>
           <p:cNvPr id="12" name="Google Shape;12;p2"/>
-          <p:cNvSpPr txBox="1"/>
+          <p:cNvSpPr txBox="1">
+            <a:spLocks noGrp="1"/>
+          </p:cNvSpPr>
           <p:nvPr>
             <p:ph type="ctrTitle"/>
           </p:nvPr>
@@ -904,7 +929,7 @@
           </a:prstGeom>
         </p:spPr>
         <p:txBody>
-          <a:bodyPr anchorCtr="0" anchor="b" bIns="91425" lIns="91425" spcFirstLastPara="1" rIns="91425" wrap="square" tIns="91425">
+          <a:bodyPr spcFirstLastPara="1" wrap="square" lIns="91425" tIns="91425" rIns="91425" bIns="91425" anchor="b" anchorCtr="0">
             <a:noAutofit/>
           </a:bodyPr>
           <a:lstStyle>
@@ -1071,15 +1096,19 @@
               </a:defRPr>
             </a:lvl9pPr>
           </a:lstStyle>
-          <a:p/>
+          <a:p>
+            <a:endParaRPr/>
+          </a:p>
         </p:txBody>
       </p:sp>
       <p:sp>
         <p:nvSpPr>
           <p:cNvPr id="13" name="Google Shape;13;p2"/>
-          <p:cNvSpPr txBox="1"/>
+          <p:cNvSpPr txBox="1">
+            <a:spLocks noGrp="1"/>
+          </p:cNvSpPr>
           <p:nvPr>
-            <p:ph idx="1" type="subTitle"/>
+            <p:ph type="subTitle" idx="1"/>
           </p:nvPr>
         </p:nvSpPr>
         <p:spPr>
@@ -1092,7 +1121,7 @@
           </a:prstGeom>
         </p:spPr>
         <p:txBody>
-          <a:bodyPr anchorCtr="0" anchor="t" bIns="91425" lIns="91425" spcFirstLastPara="1" rIns="91425" wrap="square" tIns="91425">
+          <a:bodyPr spcFirstLastPara="1" wrap="square" lIns="91425" tIns="91425" rIns="91425" bIns="91425" anchor="t" anchorCtr="0">
             <a:noAutofit/>
           </a:bodyPr>
           <a:lstStyle>
@@ -1286,15 +1315,19 @@
               </a:defRPr>
             </a:lvl9pPr>
           </a:lstStyle>
-          <a:p/>
+          <a:p>
+            <a:endParaRPr/>
+          </a:p>
         </p:txBody>
       </p:sp>
       <p:sp>
         <p:nvSpPr>
           <p:cNvPr id="14" name="Google Shape;14;p2"/>
-          <p:cNvSpPr txBox="1"/>
+          <p:cNvSpPr txBox="1">
+            <a:spLocks noGrp="1"/>
+          </p:cNvSpPr>
           <p:nvPr>
-            <p:ph idx="12" type="sldNum"/>
+            <p:ph type="sldNum" idx="12"/>
           </p:nvPr>
         </p:nvSpPr>
         <p:spPr>
@@ -1307,7 +1340,7 @@
           </a:prstGeom>
         </p:spPr>
         <p:txBody>
-          <a:bodyPr anchorCtr="0" anchor="ctr" bIns="91425" lIns="91425" spcFirstLastPara="1" rIns="91425" wrap="square" tIns="91425">
+          <a:bodyPr spcFirstLastPara="1" wrap="square" lIns="91425" tIns="91425" rIns="91425" bIns="91425" anchor="ctr" anchorCtr="0">
             <a:noAutofit/>
           </a:bodyPr>
           <a:lstStyle>
@@ -1385,7 +1418,7 @@
             </a:lvl9pPr>
           </a:lstStyle>
           <a:p>
-            <a:pPr indent="0" lvl="0" marL="0" rtl="0" algn="r">
+            <a:pPr marL="0" lvl="0" indent="0" algn="r" rtl="0">
               <a:spcBef>
                 <a:spcPts val="0"/>
               </a:spcBef>
@@ -1411,11 +1444,11 @@
 </file>
 
 <file path=ppt/slideLayouts/slideLayout10.xml><?xml version="1.0" encoding="utf-8"?>
-<p:sldLayout xmlns:a="http://schemas.openxmlformats.org/drawingml/2006/main" xmlns:r="http://schemas.openxmlformats.org/officeDocument/2006/relationships" xmlns:mc="http://schemas.openxmlformats.org/markup-compatibility/2006" xmlns:mv="urn:schemas-microsoft-com:mac:vml" xmlns:p="http://schemas.openxmlformats.org/presentationml/2006/main" xmlns:c="http://schemas.openxmlformats.org/drawingml/2006/chart" xmlns:dgm="http://schemas.openxmlformats.org/drawingml/2006/diagram" xmlns:o="urn:schemas-microsoft-com:office:office" xmlns:v="urn:schemas-microsoft-com:vml" xmlns:pvml="urn:schemas-microsoft-com:office:powerpoint" xmlns:com="http://schemas.openxmlformats.org/drawingml/2006/compatibility" xmlns:p14="http://schemas.microsoft.com/office/powerpoint/2010/main" xmlns:p15="http://schemas.microsoft.com/office/powerpoint/2012/main" matchingName="Big number">
+<p:sldLayout xmlns:a="http://schemas.openxmlformats.org/drawingml/2006/main" xmlns:r="http://schemas.openxmlformats.org/officeDocument/2006/relationships" xmlns:p="http://schemas.openxmlformats.org/presentationml/2006/main" matchingName="Big number">
   <p:cSld name="BIG_NUMBER">
     <p:spTree>
       <p:nvGrpSpPr>
-        <p:cNvPr id="49" name="Shape 49"/>
+        <p:cNvPr id="1" name="Shape 49"/>
         <p:cNvGrpSpPr/>
         <p:nvPr/>
       </p:nvGrpSpPr>
@@ -1430,9 +1463,11 @@
       <p:sp>
         <p:nvSpPr>
           <p:cNvPr id="50" name="Google Shape;50;p11"/>
-          <p:cNvSpPr txBox="1"/>
+          <p:cNvSpPr txBox="1">
+            <a:spLocks noGrp="1"/>
+          </p:cNvSpPr>
           <p:nvPr>
-            <p:ph hasCustomPrompt="1" type="title"/>
+            <p:ph type="title" hasCustomPrompt="1"/>
           </p:nvPr>
         </p:nvSpPr>
         <p:spPr>
@@ -1445,7 +1480,7 @@
           </a:prstGeom>
         </p:spPr>
         <p:txBody>
-          <a:bodyPr anchorCtr="0" anchor="b" bIns="91425" lIns="91425" spcFirstLastPara="1" rIns="91425" wrap="square" tIns="91425">
+          <a:bodyPr spcFirstLastPara="1" wrap="square" lIns="91425" tIns="91425" rIns="91425" bIns="91425" anchor="b" anchorCtr="0">
             <a:noAutofit/>
           </a:bodyPr>
           <a:lstStyle>
@@ -1458,7 +1493,7 @@
               </a:spcAft>
               <a:buSzPts val="14000"/>
               <a:buNone/>
-              <a:defRPr b="1" sz="14000"/>
+              <a:defRPr sz="14000" b="1"/>
             </a:lvl1pPr>
             <a:lvl2pPr lvl="1" algn="ctr">
               <a:spcBef>
@@ -1469,7 +1504,7 @@
               </a:spcAft>
               <a:buSzPts val="14000"/>
               <a:buNone/>
-              <a:defRPr b="1" sz="14000"/>
+              <a:defRPr sz="14000" b="1"/>
             </a:lvl2pPr>
             <a:lvl3pPr lvl="2" algn="ctr">
               <a:spcBef>
@@ -1480,7 +1515,7 @@
               </a:spcAft>
               <a:buSzPts val="14000"/>
               <a:buNone/>
-              <a:defRPr b="1" sz="14000"/>
+              <a:defRPr sz="14000" b="1"/>
             </a:lvl3pPr>
             <a:lvl4pPr lvl="3" algn="ctr">
               <a:spcBef>
@@ -1491,7 +1526,7 @@
               </a:spcAft>
               <a:buSzPts val="14000"/>
               <a:buNone/>
-              <a:defRPr b="1" sz="14000"/>
+              <a:defRPr sz="14000" b="1"/>
             </a:lvl4pPr>
             <a:lvl5pPr lvl="4" algn="ctr">
               <a:spcBef>
@@ -1502,7 +1537,7 @@
               </a:spcAft>
               <a:buSzPts val="14000"/>
               <a:buNone/>
-              <a:defRPr b="1" sz="14000"/>
+              <a:defRPr sz="14000" b="1"/>
             </a:lvl5pPr>
             <a:lvl6pPr lvl="5" algn="ctr">
               <a:spcBef>
@@ -1513,7 +1548,7 @@
               </a:spcAft>
               <a:buSzPts val="14000"/>
               <a:buNone/>
-              <a:defRPr b="1" sz="14000"/>
+              <a:defRPr sz="14000" b="1"/>
             </a:lvl6pPr>
             <a:lvl7pPr lvl="6" algn="ctr">
               <a:spcBef>
@@ -1524,7 +1559,7 @@
               </a:spcAft>
               <a:buSzPts val="14000"/>
               <a:buNone/>
-              <a:defRPr b="1" sz="14000"/>
+              <a:defRPr sz="14000" b="1"/>
             </a:lvl7pPr>
             <a:lvl8pPr lvl="7" algn="ctr">
               <a:spcBef>
@@ -1535,7 +1570,7 @@
               </a:spcAft>
               <a:buSzPts val="14000"/>
               <a:buNone/>
-              <a:defRPr b="1" sz="14000"/>
+              <a:defRPr sz="14000" b="1"/>
             </a:lvl8pPr>
             <a:lvl9pPr lvl="8" algn="ctr">
               <a:spcBef>
@@ -1546,7 +1581,7 @@
               </a:spcAft>
               <a:buSzPts val="14000"/>
               <a:buNone/>
-              <a:defRPr b="1" sz="14000"/>
+              <a:defRPr sz="14000" b="1"/>
             </a:lvl9pPr>
           </a:lstStyle>
           <a:p>
@@ -1559,9 +1594,11 @@
       <p:sp>
         <p:nvSpPr>
           <p:cNvPr id="51" name="Google Shape;51;p11"/>
-          <p:cNvSpPr txBox="1"/>
+          <p:cNvSpPr txBox="1">
+            <a:spLocks noGrp="1"/>
+          </p:cNvSpPr>
           <p:nvPr>
-            <p:ph idx="1" type="body"/>
+            <p:ph type="body" idx="1"/>
           </p:nvPr>
         </p:nvSpPr>
         <p:spPr>
@@ -1574,11 +1611,11 @@
           </a:prstGeom>
         </p:spPr>
         <p:txBody>
-          <a:bodyPr anchorCtr="0" anchor="t" bIns="91425" lIns="91425" spcFirstLastPara="1" rIns="91425" wrap="square" tIns="91425">
+          <a:bodyPr spcFirstLastPara="1" wrap="square" lIns="91425" tIns="91425" rIns="91425" bIns="91425" anchor="t" anchorCtr="0">
             <a:noAutofit/>
           </a:bodyPr>
           <a:lstStyle>
-            <a:lvl1pPr indent="-342900" lvl="0" marL="457200" algn="ctr">
+            <a:lvl1pPr marL="457200" lvl="0" indent="-342900" algn="ctr">
               <a:spcBef>
                 <a:spcPts val="0"/>
               </a:spcBef>
@@ -1589,7 +1626,7 @@
               <a:buChar char="●"/>
               <a:defRPr/>
             </a:lvl1pPr>
-            <a:lvl2pPr indent="-317500" lvl="1" marL="914400" algn="ctr">
+            <a:lvl2pPr marL="914400" lvl="1" indent="-317500" algn="ctr">
               <a:spcBef>
                 <a:spcPts val="1600"/>
               </a:spcBef>
@@ -1600,7 +1637,7 @@
               <a:buChar char="○"/>
               <a:defRPr/>
             </a:lvl2pPr>
-            <a:lvl3pPr indent="-317500" lvl="2" marL="1371600" algn="ctr">
+            <a:lvl3pPr marL="1371600" lvl="2" indent="-317500" algn="ctr">
               <a:spcBef>
                 <a:spcPts val="1600"/>
               </a:spcBef>
@@ -1611,7 +1648,7 @@
               <a:buChar char="■"/>
               <a:defRPr/>
             </a:lvl3pPr>
-            <a:lvl4pPr indent="-317500" lvl="3" marL="1828800" algn="ctr">
+            <a:lvl4pPr marL="1828800" lvl="3" indent="-317500" algn="ctr">
               <a:spcBef>
                 <a:spcPts val="1600"/>
               </a:spcBef>
@@ -1622,7 +1659,7 @@
               <a:buChar char="●"/>
               <a:defRPr/>
             </a:lvl4pPr>
-            <a:lvl5pPr indent="-317500" lvl="4" marL="2286000" algn="ctr">
+            <a:lvl5pPr marL="2286000" lvl="4" indent="-317500" algn="ctr">
               <a:spcBef>
                 <a:spcPts val="1600"/>
               </a:spcBef>
@@ -1633,7 +1670,7 @@
               <a:buChar char="○"/>
               <a:defRPr/>
             </a:lvl5pPr>
-            <a:lvl6pPr indent="-317500" lvl="5" marL="2743200" algn="ctr">
+            <a:lvl6pPr marL="2743200" lvl="5" indent="-317500" algn="ctr">
               <a:spcBef>
                 <a:spcPts val="1600"/>
               </a:spcBef>
@@ -1644,7 +1681,7 @@
               <a:buChar char="■"/>
               <a:defRPr/>
             </a:lvl6pPr>
-            <a:lvl7pPr indent="-317500" lvl="6" marL="3200400" algn="ctr">
+            <a:lvl7pPr marL="3200400" lvl="6" indent="-317500" algn="ctr">
               <a:spcBef>
                 <a:spcPts val="1600"/>
               </a:spcBef>
@@ -1655,7 +1692,7 @@
               <a:buChar char="●"/>
               <a:defRPr/>
             </a:lvl7pPr>
-            <a:lvl8pPr indent="-317500" lvl="7" marL="3657600" algn="ctr">
+            <a:lvl8pPr marL="3657600" lvl="7" indent="-317500" algn="ctr">
               <a:spcBef>
                 <a:spcPts val="1600"/>
               </a:spcBef>
@@ -1666,7 +1703,7 @@
               <a:buChar char="○"/>
               <a:defRPr/>
             </a:lvl8pPr>
-            <a:lvl9pPr indent="-317500" lvl="8" marL="4114800" algn="ctr">
+            <a:lvl9pPr marL="4114800" lvl="8" indent="-317500" algn="ctr">
               <a:spcBef>
                 <a:spcPts val="1600"/>
               </a:spcBef>
@@ -1678,15 +1715,19 @@
               <a:defRPr/>
             </a:lvl9pPr>
           </a:lstStyle>
-          <a:p/>
+          <a:p>
+            <a:endParaRPr/>
+          </a:p>
         </p:txBody>
       </p:sp>
       <p:sp>
         <p:nvSpPr>
           <p:cNvPr id="52" name="Google Shape;52;p11"/>
-          <p:cNvSpPr txBox="1"/>
+          <p:cNvSpPr txBox="1">
+            <a:spLocks noGrp="1"/>
+          </p:cNvSpPr>
           <p:nvPr>
-            <p:ph idx="12" type="sldNum"/>
+            <p:ph type="sldNum" idx="12"/>
           </p:nvPr>
         </p:nvSpPr>
         <p:spPr>
@@ -1699,7 +1740,7 @@
           </a:prstGeom>
         </p:spPr>
         <p:txBody>
-          <a:bodyPr anchorCtr="0" anchor="ctr" bIns="91425" lIns="91425" spcFirstLastPara="1" rIns="91425" wrap="square" tIns="91425">
+          <a:bodyPr spcFirstLastPara="1" wrap="square" lIns="91425" tIns="91425" rIns="91425" bIns="91425" anchor="ctr" anchorCtr="0">
             <a:noAutofit/>
           </a:bodyPr>
           <a:lstStyle>
@@ -1741,7 +1782,7 @@
             </a:lvl9pPr>
           </a:lstStyle>
           <a:p>
-            <a:pPr indent="0" lvl="0" marL="0" rtl="0" algn="r">
+            <a:pPr marL="0" lvl="0" indent="0" algn="r" rtl="0">
               <a:spcBef>
                 <a:spcPts val="0"/>
               </a:spcBef>
@@ -1767,11 +1808,11 @@
 </file>
 
 <file path=ppt/slideLayouts/slideLayout11.xml><?xml version="1.0" encoding="utf-8"?>
-<p:sldLayout xmlns:a="http://schemas.openxmlformats.org/drawingml/2006/main" xmlns:r="http://schemas.openxmlformats.org/officeDocument/2006/relationships" xmlns:mc="http://schemas.openxmlformats.org/markup-compatibility/2006" xmlns:mv="urn:schemas-microsoft-com:mac:vml" xmlns:p="http://schemas.openxmlformats.org/presentationml/2006/main" xmlns:c="http://schemas.openxmlformats.org/drawingml/2006/chart" xmlns:dgm="http://schemas.openxmlformats.org/drawingml/2006/diagram" xmlns:o="urn:schemas-microsoft-com:office:office" xmlns:v="urn:schemas-microsoft-com:vml" xmlns:pvml="urn:schemas-microsoft-com:office:powerpoint" xmlns:com="http://schemas.openxmlformats.org/drawingml/2006/compatibility" xmlns:p14="http://schemas.microsoft.com/office/powerpoint/2010/main" xmlns:p15="http://schemas.microsoft.com/office/powerpoint/2012/main" matchingName="Blank" type="blank">
+<p:sldLayout xmlns:a="http://schemas.openxmlformats.org/drawingml/2006/main" xmlns:r="http://schemas.openxmlformats.org/officeDocument/2006/relationships" xmlns:p="http://schemas.openxmlformats.org/presentationml/2006/main" matchingName="Blank" type="blank">
   <p:cSld name="BLANK">
     <p:spTree>
       <p:nvGrpSpPr>
-        <p:cNvPr id="53" name="Shape 53"/>
+        <p:cNvPr id="1" name="Shape 53"/>
         <p:cNvGrpSpPr/>
         <p:nvPr/>
       </p:nvGrpSpPr>
@@ -1786,9 +1827,11 @@
       <p:sp>
         <p:nvSpPr>
           <p:cNvPr id="54" name="Google Shape;54;p12"/>
-          <p:cNvSpPr txBox="1"/>
+          <p:cNvSpPr txBox="1">
+            <a:spLocks noGrp="1"/>
+          </p:cNvSpPr>
           <p:nvPr>
-            <p:ph idx="12" type="sldNum"/>
+            <p:ph type="sldNum" idx="12"/>
           </p:nvPr>
         </p:nvSpPr>
         <p:spPr>
@@ -1801,7 +1844,7 @@
           </a:prstGeom>
         </p:spPr>
         <p:txBody>
-          <a:bodyPr anchorCtr="0" anchor="ctr" bIns="91425" lIns="91425" spcFirstLastPara="1" rIns="91425" wrap="square" tIns="91425">
+          <a:bodyPr spcFirstLastPara="1" wrap="square" lIns="91425" tIns="91425" rIns="91425" bIns="91425" anchor="ctr" anchorCtr="0">
             <a:noAutofit/>
           </a:bodyPr>
           <a:lstStyle>
@@ -1843,7 +1886,7 @@
             </a:lvl9pPr>
           </a:lstStyle>
           <a:p>
-            <a:pPr indent="0" lvl="0" marL="0" rtl="0" algn="r">
+            <a:pPr marL="0" lvl="0" indent="0" algn="r" rtl="0">
               <a:spcBef>
                 <a:spcPts val="0"/>
               </a:spcBef>
@@ -1869,18 +1912,19 @@
 </file>
 
 <file path=ppt/slideLayouts/slideLayout2.xml><?xml version="1.0" encoding="utf-8"?>
-<p:sldLayout xmlns:a="http://schemas.openxmlformats.org/drawingml/2006/main" xmlns:r="http://schemas.openxmlformats.org/officeDocument/2006/relationships" xmlns:mc="http://schemas.openxmlformats.org/markup-compatibility/2006" xmlns:mv="urn:schemas-microsoft-com:mac:vml" xmlns:p="http://schemas.openxmlformats.org/presentationml/2006/main" xmlns:c="http://schemas.openxmlformats.org/drawingml/2006/chart" xmlns:dgm="http://schemas.openxmlformats.org/drawingml/2006/diagram" xmlns:o="urn:schemas-microsoft-com:office:office" xmlns:v="urn:schemas-microsoft-com:vml" xmlns:pvml="urn:schemas-microsoft-com:office:powerpoint" xmlns:com="http://schemas.openxmlformats.org/drawingml/2006/compatibility" xmlns:p14="http://schemas.microsoft.com/office/powerpoint/2010/main" xmlns:p15="http://schemas.microsoft.com/office/powerpoint/2012/main" matchingName="Section header" type="secHead">
+<p:sldLayout xmlns:a="http://schemas.openxmlformats.org/drawingml/2006/main" xmlns:r="http://schemas.openxmlformats.org/officeDocument/2006/relationships" xmlns:p="http://schemas.openxmlformats.org/presentationml/2006/main" matchingName="Section header" type="secHead">
   <p:cSld name="SECTION_HEADER">
     <p:bg>
       <p:bgPr>
         <a:solidFill>
           <a:schemeClr val="dk1"/>
         </a:solidFill>
+        <a:effectLst/>
       </p:bgPr>
     </p:bg>
     <p:spTree>
       <p:nvGrpSpPr>
-        <p:cNvPr id="15" name="Shape 15"/>
+        <p:cNvPr id="1" name="Shape 15"/>
         <p:cNvGrpSpPr/>
         <p:nvPr/>
       </p:nvGrpSpPr>
@@ -1907,21 +1951,23 @@
             <a:avLst/>
           </a:prstGeom>
           <a:noFill/>
-          <a:ln cap="flat" cmpd="sng" w="28575">
+          <a:ln w="28575" cap="flat" cmpd="sng">
             <a:solidFill>
               <a:schemeClr val="lt2"/>
             </a:solidFill>
             <a:prstDash val="solid"/>
             <a:round/>
-            <a:headEnd len="sm" w="sm" type="none"/>
-            <a:tailEnd len="sm" w="sm" type="none"/>
+            <a:headEnd type="none" w="sm" len="sm"/>
+            <a:tailEnd type="none" w="sm" len="sm"/>
           </a:ln>
         </p:spPr>
       </p:cxnSp>
       <p:sp>
         <p:nvSpPr>
           <p:cNvPr id="17" name="Google Shape;17;p3"/>
-          <p:cNvSpPr txBox="1"/>
+          <p:cNvSpPr txBox="1">
+            <a:spLocks noGrp="1"/>
+          </p:cNvSpPr>
           <p:nvPr>
             <p:ph type="title"/>
           </p:nvPr>
@@ -1936,7 +1982,7 @@
           </a:prstGeom>
         </p:spPr>
         <p:txBody>
-          <a:bodyPr anchorCtr="0" anchor="b" bIns="91425" lIns="91425" spcFirstLastPara="1" rIns="91425" wrap="square" tIns="91425">
+          <a:bodyPr spcFirstLastPara="1" wrap="square" lIns="91425" tIns="91425" rIns="91425" bIns="91425" anchor="b" anchorCtr="0">
             <a:noAutofit/>
           </a:bodyPr>
           <a:lstStyle>
@@ -2103,15 +2149,19 @@
               </a:defRPr>
             </a:lvl9pPr>
           </a:lstStyle>
-          <a:p/>
+          <a:p>
+            <a:endParaRPr/>
+          </a:p>
         </p:txBody>
       </p:sp>
       <p:sp>
         <p:nvSpPr>
           <p:cNvPr id="18" name="Google Shape;18;p3"/>
-          <p:cNvSpPr txBox="1"/>
+          <p:cNvSpPr txBox="1">
+            <a:spLocks noGrp="1"/>
+          </p:cNvSpPr>
           <p:nvPr>
-            <p:ph idx="12" type="sldNum"/>
+            <p:ph type="sldNum" idx="12"/>
           </p:nvPr>
         </p:nvSpPr>
         <p:spPr>
@@ -2124,7 +2174,7 @@
           </a:prstGeom>
         </p:spPr>
         <p:txBody>
-          <a:bodyPr anchorCtr="0" anchor="ctr" bIns="91425" lIns="91425" spcFirstLastPara="1" rIns="91425" wrap="square" tIns="91425">
+          <a:bodyPr spcFirstLastPara="1" wrap="square" lIns="91425" tIns="91425" rIns="91425" bIns="91425" anchor="ctr" anchorCtr="0">
             <a:noAutofit/>
           </a:bodyPr>
           <a:lstStyle>
@@ -2202,7 +2252,7 @@
             </a:lvl9pPr>
           </a:lstStyle>
           <a:p>
-            <a:pPr indent="0" lvl="0" marL="0" rtl="0" algn="r">
+            <a:pPr marL="0" lvl="0" indent="0" algn="r" rtl="0">
               <a:spcBef>
                 <a:spcPts val="0"/>
               </a:spcBef>
@@ -2228,11 +2278,11 @@
 </file>
 
 <file path=ppt/slideLayouts/slideLayout3.xml><?xml version="1.0" encoding="utf-8"?>
-<p:sldLayout xmlns:a="http://schemas.openxmlformats.org/drawingml/2006/main" xmlns:r="http://schemas.openxmlformats.org/officeDocument/2006/relationships" xmlns:mc="http://schemas.openxmlformats.org/markup-compatibility/2006" xmlns:mv="urn:schemas-microsoft-com:mac:vml" xmlns:p="http://schemas.openxmlformats.org/presentationml/2006/main" xmlns:c="http://schemas.openxmlformats.org/drawingml/2006/chart" xmlns:dgm="http://schemas.openxmlformats.org/drawingml/2006/diagram" xmlns:o="urn:schemas-microsoft-com:office:office" xmlns:v="urn:schemas-microsoft-com:vml" xmlns:pvml="urn:schemas-microsoft-com:office:powerpoint" xmlns:com="http://schemas.openxmlformats.org/drawingml/2006/compatibility" xmlns:p14="http://schemas.microsoft.com/office/powerpoint/2010/main" xmlns:p15="http://schemas.microsoft.com/office/powerpoint/2012/main" matchingName="Title and body" type="tx">
+<p:sldLayout xmlns:a="http://schemas.openxmlformats.org/drawingml/2006/main" xmlns:r="http://schemas.openxmlformats.org/officeDocument/2006/relationships" xmlns:p="http://schemas.openxmlformats.org/presentationml/2006/main" matchingName="Title and body" type="tx">
   <p:cSld name="TITLE_AND_BODY">
     <p:spTree>
       <p:nvGrpSpPr>
-        <p:cNvPr id="19" name="Shape 19"/>
+        <p:cNvPr id="1" name="Shape 19"/>
         <p:cNvGrpSpPr/>
         <p:nvPr/>
       </p:nvGrpSpPr>
@@ -2266,12 +2316,12 @@
           </a:ln>
         </p:spPr>
         <p:txBody>
-          <a:bodyPr anchorCtr="0" anchor="ctr" bIns="91425" lIns="91425" spcFirstLastPara="1" rIns="91425" wrap="square" tIns="91425">
+          <a:bodyPr spcFirstLastPara="1" wrap="square" lIns="91425" tIns="91425" rIns="91425" bIns="91425" anchor="ctr" anchorCtr="0">
             <a:noAutofit/>
           </a:bodyPr>
           <a:lstStyle/>
           <a:p>
-            <a:pPr indent="0" lvl="0" marL="0" rtl="0" algn="l">
+            <a:pPr marL="0" lvl="0" indent="0" algn="l" rtl="0">
               <a:spcBef>
                 <a:spcPts val="0"/>
               </a:spcBef>
@@ -2280,9 +2330,6 @@
               </a:spcAft>
               <a:buNone/>
             </a:pPr>
-            <a:r>
-              <a:t/>
-            </a:r>
             <a:endParaRPr/>
           </a:p>
         </p:txBody>
@@ -2290,7 +2337,9 @@
       <p:sp>
         <p:nvSpPr>
           <p:cNvPr id="21" name="Google Shape;21;p4"/>
-          <p:cNvSpPr txBox="1"/>
+          <p:cNvSpPr txBox="1">
+            <a:spLocks noGrp="1"/>
+          </p:cNvSpPr>
           <p:nvPr>
             <p:ph type="title"/>
           </p:nvPr>
@@ -2305,7 +2354,7 @@
           </a:prstGeom>
         </p:spPr>
         <p:txBody>
-          <a:bodyPr anchorCtr="0" anchor="t" bIns="91425" lIns="91425" spcFirstLastPara="1" rIns="91425" wrap="square" tIns="91425">
+          <a:bodyPr spcFirstLastPara="1" wrap="square" lIns="91425" tIns="91425" rIns="91425" bIns="91425" anchor="t" anchorCtr="0">
             <a:noAutofit/>
           </a:bodyPr>
           <a:lstStyle>
@@ -2409,15 +2458,19 @@
               <a:defRPr/>
             </a:lvl9pPr>
           </a:lstStyle>
-          <a:p/>
+          <a:p>
+            <a:endParaRPr/>
+          </a:p>
         </p:txBody>
       </p:sp>
       <p:sp>
         <p:nvSpPr>
           <p:cNvPr id="22" name="Google Shape;22;p4"/>
-          <p:cNvSpPr txBox="1"/>
+          <p:cNvSpPr txBox="1">
+            <a:spLocks noGrp="1"/>
+          </p:cNvSpPr>
           <p:nvPr>
-            <p:ph idx="1" type="body"/>
+            <p:ph type="body" idx="1"/>
           </p:nvPr>
         </p:nvSpPr>
         <p:spPr>
@@ -2430,11 +2483,11 @@
           </a:prstGeom>
         </p:spPr>
         <p:txBody>
-          <a:bodyPr anchorCtr="0" anchor="t" bIns="91425" lIns="91425" spcFirstLastPara="1" rIns="91425" wrap="square" tIns="91425">
+          <a:bodyPr spcFirstLastPara="1" wrap="square" lIns="91425" tIns="91425" rIns="91425" bIns="91425" anchor="t" anchorCtr="0">
             <a:noAutofit/>
           </a:bodyPr>
           <a:lstStyle>
-            <a:lvl1pPr indent="-342900" lvl="0" marL="457200">
+            <a:lvl1pPr marL="457200" lvl="0" indent="-342900">
               <a:spcBef>
                 <a:spcPts val="0"/>
               </a:spcBef>
@@ -2445,7 +2498,7 @@
               <a:buChar char="●"/>
               <a:defRPr/>
             </a:lvl1pPr>
-            <a:lvl2pPr indent="-317500" lvl="1" marL="914400">
+            <a:lvl2pPr marL="914400" lvl="1" indent="-317500">
               <a:spcBef>
                 <a:spcPts val="1600"/>
               </a:spcBef>
@@ -2456,7 +2509,7 @@
               <a:buChar char="○"/>
               <a:defRPr/>
             </a:lvl2pPr>
-            <a:lvl3pPr indent="-317500" lvl="2" marL="1371600">
+            <a:lvl3pPr marL="1371600" lvl="2" indent="-317500">
               <a:spcBef>
                 <a:spcPts val="1600"/>
               </a:spcBef>
@@ -2467,7 +2520,7 @@
               <a:buChar char="■"/>
               <a:defRPr/>
             </a:lvl3pPr>
-            <a:lvl4pPr indent="-317500" lvl="3" marL="1828800">
+            <a:lvl4pPr marL="1828800" lvl="3" indent="-317500">
               <a:spcBef>
                 <a:spcPts val="1600"/>
               </a:spcBef>
@@ -2478,7 +2531,7 @@
               <a:buChar char="●"/>
               <a:defRPr/>
             </a:lvl4pPr>
-            <a:lvl5pPr indent="-317500" lvl="4" marL="2286000">
+            <a:lvl5pPr marL="2286000" lvl="4" indent="-317500">
               <a:spcBef>
                 <a:spcPts val="1600"/>
               </a:spcBef>
@@ -2489,7 +2542,7 @@
               <a:buChar char="○"/>
               <a:defRPr/>
             </a:lvl5pPr>
-            <a:lvl6pPr indent="-317500" lvl="5" marL="2743200">
+            <a:lvl6pPr marL="2743200" lvl="5" indent="-317500">
               <a:spcBef>
                 <a:spcPts val="1600"/>
               </a:spcBef>
@@ -2500,7 +2553,7 @@
               <a:buChar char="■"/>
               <a:defRPr/>
             </a:lvl6pPr>
-            <a:lvl7pPr indent="-317500" lvl="6" marL="3200400">
+            <a:lvl7pPr marL="3200400" lvl="6" indent="-317500">
               <a:spcBef>
                 <a:spcPts val="1600"/>
               </a:spcBef>
@@ -2511,7 +2564,7 @@
               <a:buChar char="●"/>
               <a:defRPr/>
             </a:lvl7pPr>
-            <a:lvl8pPr indent="-317500" lvl="7" marL="3657600">
+            <a:lvl8pPr marL="3657600" lvl="7" indent="-317500">
               <a:spcBef>
                 <a:spcPts val="1600"/>
               </a:spcBef>
@@ -2522,7 +2575,7 @@
               <a:buChar char="○"/>
               <a:defRPr/>
             </a:lvl8pPr>
-            <a:lvl9pPr indent="-317500" lvl="8" marL="4114800">
+            <a:lvl9pPr marL="4114800" lvl="8" indent="-317500">
               <a:spcBef>
                 <a:spcPts val="1600"/>
               </a:spcBef>
@@ -2534,15 +2587,19 @@
               <a:defRPr/>
             </a:lvl9pPr>
           </a:lstStyle>
-          <a:p/>
+          <a:p>
+            <a:endParaRPr/>
+          </a:p>
         </p:txBody>
       </p:sp>
       <p:sp>
         <p:nvSpPr>
           <p:cNvPr id="23" name="Google Shape;23;p4"/>
-          <p:cNvSpPr txBox="1"/>
+          <p:cNvSpPr txBox="1">
+            <a:spLocks noGrp="1"/>
+          </p:cNvSpPr>
           <p:nvPr>
-            <p:ph idx="12" type="sldNum"/>
+            <p:ph type="sldNum" idx="12"/>
           </p:nvPr>
         </p:nvSpPr>
         <p:spPr>
@@ -2555,7 +2612,7 @@
           </a:prstGeom>
         </p:spPr>
         <p:txBody>
-          <a:bodyPr anchorCtr="0" anchor="ctr" bIns="91425" lIns="91425" spcFirstLastPara="1" rIns="91425" wrap="square" tIns="91425">
+          <a:bodyPr spcFirstLastPara="1" wrap="square" lIns="91425" tIns="91425" rIns="91425" bIns="91425" anchor="ctr" anchorCtr="0">
             <a:noAutofit/>
           </a:bodyPr>
           <a:lstStyle>
@@ -2597,7 +2654,7 @@
             </a:lvl9pPr>
           </a:lstStyle>
           <a:p>
-            <a:pPr indent="0" lvl="0" marL="0" rtl="0" algn="r">
+            <a:pPr marL="0" lvl="0" indent="0" algn="r" rtl="0">
               <a:spcBef>
                 <a:spcPts val="0"/>
               </a:spcBef>
@@ -2623,11 +2680,11 @@
 </file>
 
 <file path=ppt/slideLayouts/slideLayout4.xml><?xml version="1.0" encoding="utf-8"?>
-<p:sldLayout xmlns:a="http://schemas.openxmlformats.org/drawingml/2006/main" xmlns:r="http://schemas.openxmlformats.org/officeDocument/2006/relationships" xmlns:mc="http://schemas.openxmlformats.org/markup-compatibility/2006" xmlns:mv="urn:schemas-microsoft-com:mac:vml" xmlns:p="http://schemas.openxmlformats.org/presentationml/2006/main" xmlns:c="http://schemas.openxmlformats.org/drawingml/2006/chart" xmlns:dgm="http://schemas.openxmlformats.org/drawingml/2006/diagram" xmlns:o="urn:schemas-microsoft-com:office:office" xmlns:v="urn:schemas-microsoft-com:vml" xmlns:pvml="urn:schemas-microsoft-com:office:powerpoint" xmlns:com="http://schemas.openxmlformats.org/drawingml/2006/compatibility" xmlns:p14="http://schemas.microsoft.com/office/powerpoint/2010/main" xmlns:p15="http://schemas.microsoft.com/office/powerpoint/2012/main" matchingName="Title and two columns" type="twoColTx">
+<p:sldLayout xmlns:a="http://schemas.openxmlformats.org/drawingml/2006/main" xmlns:r="http://schemas.openxmlformats.org/officeDocument/2006/relationships" xmlns:p="http://schemas.openxmlformats.org/presentationml/2006/main" matchingName="Title and two columns" type="twoColTx">
   <p:cSld name="TITLE_AND_TWO_COLUMNS">
     <p:spTree>
       <p:nvGrpSpPr>
-        <p:cNvPr id="24" name="Shape 24"/>
+        <p:cNvPr id="1" name="Shape 24"/>
         <p:cNvGrpSpPr/>
         <p:nvPr/>
       </p:nvGrpSpPr>
@@ -2642,7 +2699,9 @@
       <p:sp>
         <p:nvSpPr>
           <p:cNvPr id="25" name="Google Shape;25;p5"/>
-          <p:cNvSpPr txBox="1"/>
+          <p:cNvSpPr txBox="1">
+            <a:spLocks noGrp="1"/>
+          </p:cNvSpPr>
           <p:nvPr>
             <p:ph type="title"/>
           </p:nvPr>
@@ -2657,7 +2716,7 @@
           </a:prstGeom>
         </p:spPr>
         <p:txBody>
-          <a:bodyPr anchorCtr="0" anchor="t" bIns="91425" lIns="91425" spcFirstLastPara="1" rIns="91425" wrap="square" tIns="91425">
+          <a:bodyPr spcFirstLastPara="1" wrap="square" lIns="91425" tIns="91425" rIns="91425" bIns="91425" anchor="t" anchorCtr="0">
             <a:noAutofit/>
           </a:bodyPr>
           <a:lstStyle>
@@ -2761,15 +2820,19 @@
               <a:defRPr/>
             </a:lvl9pPr>
           </a:lstStyle>
-          <a:p/>
+          <a:p>
+            <a:endParaRPr/>
+          </a:p>
         </p:txBody>
       </p:sp>
       <p:sp>
         <p:nvSpPr>
           <p:cNvPr id="26" name="Google Shape;26;p5"/>
-          <p:cNvSpPr txBox="1"/>
+          <p:cNvSpPr txBox="1">
+            <a:spLocks noGrp="1"/>
+          </p:cNvSpPr>
           <p:nvPr>
-            <p:ph idx="1" type="body"/>
+            <p:ph type="body" idx="1"/>
           </p:nvPr>
         </p:nvSpPr>
         <p:spPr>
@@ -2782,11 +2845,11 @@
           </a:prstGeom>
         </p:spPr>
         <p:txBody>
-          <a:bodyPr anchorCtr="0" anchor="t" bIns="91425" lIns="91425" spcFirstLastPara="1" rIns="91425" wrap="square" tIns="91425">
+          <a:bodyPr spcFirstLastPara="1" wrap="square" lIns="91425" tIns="91425" rIns="91425" bIns="91425" anchor="t" anchorCtr="0">
             <a:noAutofit/>
           </a:bodyPr>
           <a:lstStyle>
-            <a:lvl1pPr indent="-317500" lvl="0" marL="457200">
+            <a:lvl1pPr marL="457200" lvl="0" indent="-317500">
               <a:spcBef>
                 <a:spcPts val="0"/>
               </a:spcBef>
@@ -2797,7 +2860,7 @@
               <a:buChar char="●"/>
               <a:defRPr sz="1400"/>
             </a:lvl1pPr>
-            <a:lvl2pPr indent="-304800" lvl="1" marL="914400">
+            <a:lvl2pPr marL="914400" lvl="1" indent="-304800">
               <a:spcBef>
                 <a:spcPts val="1600"/>
               </a:spcBef>
@@ -2808,7 +2871,7 @@
               <a:buChar char="○"/>
               <a:defRPr sz="1200"/>
             </a:lvl2pPr>
-            <a:lvl3pPr indent="-304800" lvl="2" marL="1371600">
+            <a:lvl3pPr marL="1371600" lvl="2" indent="-304800">
               <a:spcBef>
                 <a:spcPts val="1600"/>
               </a:spcBef>
@@ -2819,7 +2882,7 @@
               <a:buChar char="■"/>
               <a:defRPr sz="1200"/>
             </a:lvl3pPr>
-            <a:lvl4pPr indent="-304800" lvl="3" marL="1828800">
+            <a:lvl4pPr marL="1828800" lvl="3" indent="-304800">
               <a:spcBef>
                 <a:spcPts val="1600"/>
               </a:spcBef>
@@ -2830,7 +2893,7 @@
               <a:buChar char="●"/>
               <a:defRPr sz="1200"/>
             </a:lvl4pPr>
-            <a:lvl5pPr indent="-304800" lvl="4" marL="2286000">
+            <a:lvl5pPr marL="2286000" lvl="4" indent="-304800">
               <a:spcBef>
                 <a:spcPts val="1600"/>
               </a:spcBef>
@@ -2841,7 +2904,7 @@
               <a:buChar char="○"/>
               <a:defRPr sz="1200"/>
             </a:lvl5pPr>
-            <a:lvl6pPr indent="-304800" lvl="5" marL="2743200">
+            <a:lvl6pPr marL="2743200" lvl="5" indent="-304800">
               <a:spcBef>
                 <a:spcPts val="1600"/>
               </a:spcBef>
@@ -2852,7 +2915,7 @@
               <a:buChar char="■"/>
               <a:defRPr sz="1200"/>
             </a:lvl6pPr>
-            <a:lvl7pPr indent="-304800" lvl="6" marL="3200400">
+            <a:lvl7pPr marL="3200400" lvl="6" indent="-304800">
               <a:spcBef>
                 <a:spcPts val="1600"/>
               </a:spcBef>
@@ -2863,7 +2926,7 @@
               <a:buChar char="●"/>
               <a:defRPr sz="1200"/>
             </a:lvl7pPr>
-            <a:lvl8pPr indent="-304800" lvl="7" marL="3657600">
+            <a:lvl8pPr marL="3657600" lvl="7" indent="-304800">
               <a:spcBef>
                 <a:spcPts val="1600"/>
               </a:spcBef>
@@ -2874,7 +2937,7 @@
               <a:buChar char="○"/>
               <a:defRPr sz="1200"/>
             </a:lvl8pPr>
-            <a:lvl9pPr indent="-304800" lvl="8" marL="4114800">
+            <a:lvl9pPr marL="4114800" lvl="8" indent="-304800">
               <a:spcBef>
                 <a:spcPts val="1600"/>
               </a:spcBef>
@@ -2886,15 +2949,19 @@
               <a:defRPr sz="1200"/>
             </a:lvl9pPr>
           </a:lstStyle>
-          <a:p/>
+          <a:p>
+            <a:endParaRPr/>
+          </a:p>
         </p:txBody>
       </p:sp>
       <p:sp>
         <p:nvSpPr>
           <p:cNvPr id="27" name="Google Shape;27;p5"/>
-          <p:cNvSpPr txBox="1"/>
+          <p:cNvSpPr txBox="1">
+            <a:spLocks noGrp="1"/>
+          </p:cNvSpPr>
           <p:nvPr>
-            <p:ph idx="2" type="body"/>
+            <p:ph type="body" idx="2"/>
           </p:nvPr>
         </p:nvSpPr>
         <p:spPr>
@@ -2907,11 +2974,11 @@
           </a:prstGeom>
         </p:spPr>
         <p:txBody>
-          <a:bodyPr anchorCtr="0" anchor="t" bIns="91425" lIns="91425" spcFirstLastPara="1" rIns="91425" wrap="square" tIns="91425">
+          <a:bodyPr spcFirstLastPara="1" wrap="square" lIns="91425" tIns="91425" rIns="91425" bIns="91425" anchor="t" anchorCtr="0">
             <a:noAutofit/>
           </a:bodyPr>
           <a:lstStyle>
-            <a:lvl1pPr indent="-317500" lvl="0" marL="457200">
+            <a:lvl1pPr marL="457200" lvl="0" indent="-317500">
               <a:spcBef>
                 <a:spcPts val="0"/>
               </a:spcBef>
@@ -2922,7 +2989,7 @@
               <a:buChar char="●"/>
               <a:defRPr sz="1400"/>
             </a:lvl1pPr>
-            <a:lvl2pPr indent="-304800" lvl="1" marL="914400">
+            <a:lvl2pPr marL="914400" lvl="1" indent="-304800">
               <a:spcBef>
                 <a:spcPts val="1600"/>
               </a:spcBef>
@@ -2933,7 +3000,7 @@
               <a:buChar char="○"/>
               <a:defRPr sz="1200"/>
             </a:lvl2pPr>
-            <a:lvl3pPr indent="-304800" lvl="2" marL="1371600">
+            <a:lvl3pPr marL="1371600" lvl="2" indent="-304800">
               <a:spcBef>
                 <a:spcPts val="1600"/>
               </a:spcBef>
@@ -2944,7 +3011,7 @@
               <a:buChar char="■"/>
               <a:defRPr sz="1200"/>
             </a:lvl3pPr>
-            <a:lvl4pPr indent="-304800" lvl="3" marL="1828800">
+            <a:lvl4pPr marL="1828800" lvl="3" indent="-304800">
               <a:spcBef>
                 <a:spcPts val="1600"/>
               </a:spcBef>
@@ -2955,7 +3022,7 @@
               <a:buChar char="●"/>
               <a:defRPr sz="1200"/>
             </a:lvl4pPr>
-            <a:lvl5pPr indent="-304800" lvl="4" marL="2286000">
+            <a:lvl5pPr marL="2286000" lvl="4" indent="-304800">
               <a:spcBef>
                 <a:spcPts val="1600"/>
               </a:spcBef>
@@ -2966,7 +3033,7 @@
               <a:buChar char="○"/>
               <a:defRPr sz="1200"/>
             </a:lvl5pPr>
-            <a:lvl6pPr indent="-304800" lvl="5" marL="2743200">
+            <a:lvl6pPr marL="2743200" lvl="5" indent="-304800">
               <a:spcBef>
                 <a:spcPts val="1600"/>
               </a:spcBef>
@@ -2977,7 +3044,7 @@
               <a:buChar char="■"/>
               <a:defRPr sz="1200"/>
             </a:lvl6pPr>
-            <a:lvl7pPr indent="-304800" lvl="6" marL="3200400">
+            <a:lvl7pPr marL="3200400" lvl="6" indent="-304800">
               <a:spcBef>
                 <a:spcPts val="1600"/>
               </a:spcBef>
@@ -2988,7 +3055,7 @@
               <a:buChar char="●"/>
               <a:defRPr sz="1200"/>
             </a:lvl7pPr>
-            <a:lvl8pPr indent="-304800" lvl="7" marL="3657600">
+            <a:lvl8pPr marL="3657600" lvl="7" indent="-304800">
               <a:spcBef>
                 <a:spcPts val="1600"/>
               </a:spcBef>
@@ -2999,7 +3066,7 @@
               <a:buChar char="○"/>
               <a:defRPr sz="1200"/>
             </a:lvl8pPr>
-            <a:lvl9pPr indent="-304800" lvl="8" marL="4114800">
+            <a:lvl9pPr marL="4114800" lvl="8" indent="-304800">
               <a:spcBef>
                 <a:spcPts val="1600"/>
               </a:spcBef>
@@ -3011,15 +3078,19 @@
               <a:defRPr sz="1200"/>
             </a:lvl9pPr>
           </a:lstStyle>
-          <a:p/>
+          <a:p>
+            <a:endParaRPr/>
+          </a:p>
         </p:txBody>
       </p:sp>
       <p:sp>
         <p:nvSpPr>
           <p:cNvPr id="28" name="Google Shape;28;p5"/>
-          <p:cNvSpPr txBox="1"/>
+          <p:cNvSpPr txBox="1">
+            <a:spLocks noGrp="1"/>
+          </p:cNvSpPr>
           <p:nvPr>
-            <p:ph idx="12" type="sldNum"/>
+            <p:ph type="sldNum" idx="12"/>
           </p:nvPr>
         </p:nvSpPr>
         <p:spPr>
@@ -3032,7 +3103,7 @@
           </a:prstGeom>
         </p:spPr>
         <p:txBody>
-          <a:bodyPr anchorCtr="0" anchor="ctr" bIns="91425" lIns="91425" spcFirstLastPara="1" rIns="91425" wrap="square" tIns="91425">
+          <a:bodyPr spcFirstLastPara="1" wrap="square" lIns="91425" tIns="91425" rIns="91425" bIns="91425" anchor="ctr" anchorCtr="0">
             <a:noAutofit/>
           </a:bodyPr>
           <a:lstStyle>
@@ -3074,7 +3145,7 @@
             </a:lvl9pPr>
           </a:lstStyle>
           <a:p>
-            <a:pPr indent="0" lvl="0" marL="0" rtl="0" algn="r">
+            <a:pPr marL="0" lvl="0" indent="0" algn="r" rtl="0">
               <a:spcBef>
                 <a:spcPts val="0"/>
               </a:spcBef>
@@ -3100,11 +3171,11 @@
 </file>
 
 <file path=ppt/slideLayouts/slideLayout5.xml><?xml version="1.0" encoding="utf-8"?>
-<p:sldLayout xmlns:a="http://schemas.openxmlformats.org/drawingml/2006/main" xmlns:r="http://schemas.openxmlformats.org/officeDocument/2006/relationships" xmlns:mc="http://schemas.openxmlformats.org/markup-compatibility/2006" xmlns:mv="urn:schemas-microsoft-com:mac:vml" xmlns:p="http://schemas.openxmlformats.org/presentationml/2006/main" xmlns:c="http://schemas.openxmlformats.org/drawingml/2006/chart" xmlns:dgm="http://schemas.openxmlformats.org/drawingml/2006/diagram" xmlns:o="urn:schemas-microsoft-com:office:office" xmlns:v="urn:schemas-microsoft-com:vml" xmlns:pvml="urn:schemas-microsoft-com:office:powerpoint" xmlns:com="http://schemas.openxmlformats.org/drawingml/2006/compatibility" xmlns:p14="http://schemas.microsoft.com/office/powerpoint/2010/main" xmlns:p15="http://schemas.microsoft.com/office/powerpoint/2012/main" matchingName="Title only" type="titleOnly">
+<p:sldLayout xmlns:a="http://schemas.openxmlformats.org/drawingml/2006/main" xmlns:r="http://schemas.openxmlformats.org/officeDocument/2006/relationships" xmlns:p="http://schemas.openxmlformats.org/presentationml/2006/main" matchingName="Title only" type="titleOnly">
   <p:cSld name="TITLE_ONLY">
     <p:spTree>
       <p:nvGrpSpPr>
-        <p:cNvPr id="29" name="Shape 29"/>
+        <p:cNvPr id="1" name="Shape 29"/>
         <p:cNvGrpSpPr/>
         <p:nvPr/>
       </p:nvGrpSpPr>
@@ -3119,7 +3190,9 @@
       <p:sp>
         <p:nvSpPr>
           <p:cNvPr id="30" name="Google Shape;30;p6"/>
-          <p:cNvSpPr txBox="1"/>
+          <p:cNvSpPr txBox="1">
+            <a:spLocks noGrp="1"/>
+          </p:cNvSpPr>
           <p:nvPr>
             <p:ph type="title"/>
           </p:nvPr>
@@ -3134,7 +3207,7 @@
           </a:prstGeom>
         </p:spPr>
         <p:txBody>
-          <a:bodyPr anchorCtr="0" anchor="t" bIns="91425" lIns="91425" spcFirstLastPara="1" rIns="91425" wrap="square" tIns="91425">
+          <a:bodyPr spcFirstLastPara="1" wrap="square" lIns="91425" tIns="91425" rIns="91425" bIns="91425" anchor="t" anchorCtr="0">
             <a:noAutofit/>
           </a:bodyPr>
           <a:lstStyle>
@@ -3238,15 +3311,19 @@
               <a:defRPr/>
             </a:lvl9pPr>
           </a:lstStyle>
-          <a:p/>
+          <a:p>
+            <a:endParaRPr/>
+          </a:p>
         </p:txBody>
       </p:sp>
       <p:sp>
         <p:nvSpPr>
           <p:cNvPr id="31" name="Google Shape;31;p6"/>
-          <p:cNvSpPr txBox="1"/>
+          <p:cNvSpPr txBox="1">
+            <a:spLocks noGrp="1"/>
+          </p:cNvSpPr>
           <p:nvPr>
-            <p:ph idx="12" type="sldNum"/>
+            <p:ph type="sldNum" idx="12"/>
           </p:nvPr>
         </p:nvSpPr>
         <p:spPr>
@@ -3259,7 +3336,7 @@
           </a:prstGeom>
         </p:spPr>
         <p:txBody>
-          <a:bodyPr anchorCtr="0" anchor="ctr" bIns="91425" lIns="91425" spcFirstLastPara="1" rIns="91425" wrap="square" tIns="91425">
+          <a:bodyPr spcFirstLastPara="1" wrap="square" lIns="91425" tIns="91425" rIns="91425" bIns="91425" anchor="ctr" anchorCtr="0">
             <a:noAutofit/>
           </a:bodyPr>
           <a:lstStyle>
@@ -3301,7 +3378,7 @@
             </a:lvl9pPr>
           </a:lstStyle>
           <a:p>
-            <a:pPr indent="0" lvl="0" marL="0" rtl="0" algn="r">
+            <a:pPr marL="0" lvl="0" indent="0" algn="r" rtl="0">
               <a:spcBef>
                 <a:spcPts val="0"/>
               </a:spcBef>
@@ -3327,11 +3404,11 @@
 </file>
 
 <file path=ppt/slideLayouts/slideLayout6.xml><?xml version="1.0" encoding="utf-8"?>
-<p:sldLayout xmlns:a="http://schemas.openxmlformats.org/drawingml/2006/main" xmlns:r="http://schemas.openxmlformats.org/officeDocument/2006/relationships" xmlns:mc="http://schemas.openxmlformats.org/markup-compatibility/2006" xmlns:mv="urn:schemas-microsoft-com:mac:vml" xmlns:p="http://schemas.openxmlformats.org/presentationml/2006/main" xmlns:c="http://schemas.openxmlformats.org/drawingml/2006/chart" xmlns:dgm="http://schemas.openxmlformats.org/drawingml/2006/diagram" xmlns:o="urn:schemas-microsoft-com:office:office" xmlns:v="urn:schemas-microsoft-com:vml" xmlns:pvml="urn:schemas-microsoft-com:office:powerpoint" xmlns:com="http://schemas.openxmlformats.org/drawingml/2006/compatibility" xmlns:p14="http://schemas.microsoft.com/office/powerpoint/2010/main" xmlns:p15="http://schemas.microsoft.com/office/powerpoint/2012/main" matchingName="One column text">
+<p:sldLayout xmlns:a="http://schemas.openxmlformats.org/drawingml/2006/main" xmlns:r="http://schemas.openxmlformats.org/officeDocument/2006/relationships" xmlns:p="http://schemas.openxmlformats.org/presentationml/2006/main" matchingName="One column text">
   <p:cSld name="ONE_COLUMN_TEXT">
     <p:spTree>
       <p:nvGrpSpPr>
-        <p:cNvPr id="32" name="Shape 32"/>
+        <p:cNvPr id="1" name="Shape 32"/>
         <p:cNvGrpSpPr/>
         <p:nvPr/>
       </p:nvGrpSpPr>
@@ -3346,7 +3423,9 @@
       <p:sp>
         <p:nvSpPr>
           <p:cNvPr id="33" name="Google Shape;33;p7"/>
-          <p:cNvSpPr txBox="1"/>
+          <p:cNvSpPr txBox="1">
+            <a:spLocks noGrp="1"/>
+          </p:cNvSpPr>
           <p:nvPr>
             <p:ph type="title"/>
           </p:nvPr>
@@ -3361,7 +3440,7 @@
           </a:prstGeom>
         </p:spPr>
         <p:txBody>
-          <a:bodyPr anchorCtr="0" anchor="b" bIns="91425" lIns="91425" spcFirstLastPara="1" rIns="91425" wrap="square" tIns="91425">
+          <a:bodyPr spcFirstLastPara="1" wrap="square" lIns="91425" tIns="91425" rIns="91425" bIns="91425" anchor="b" anchorCtr="0">
             <a:noAutofit/>
           </a:bodyPr>
           <a:lstStyle>
@@ -3465,15 +3544,19 @@
               <a:defRPr sz="2400"/>
             </a:lvl9pPr>
           </a:lstStyle>
-          <a:p/>
+          <a:p>
+            <a:endParaRPr/>
+          </a:p>
         </p:txBody>
       </p:sp>
       <p:sp>
         <p:nvSpPr>
           <p:cNvPr id="34" name="Google Shape;34;p7"/>
-          <p:cNvSpPr txBox="1"/>
+          <p:cNvSpPr txBox="1">
+            <a:spLocks noGrp="1"/>
+          </p:cNvSpPr>
           <p:nvPr>
-            <p:ph idx="1" type="body"/>
+            <p:ph type="body" idx="1"/>
           </p:nvPr>
         </p:nvSpPr>
         <p:spPr>
@@ -3486,11 +3569,11 @@
           </a:prstGeom>
         </p:spPr>
         <p:txBody>
-          <a:bodyPr anchorCtr="0" anchor="t" bIns="91425" lIns="91425" spcFirstLastPara="1" rIns="91425" wrap="square" tIns="91425">
+          <a:bodyPr spcFirstLastPara="1" wrap="square" lIns="91425" tIns="91425" rIns="91425" bIns="91425" anchor="t" anchorCtr="0">
             <a:noAutofit/>
           </a:bodyPr>
           <a:lstStyle>
-            <a:lvl1pPr indent="-304800" lvl="0" marL="457200">
+            <a:lvl1pPr marL="457200" lvl="0" indent="-304800">
               <a:spcBef>
                 <a:spcPts val="0"/>
               </a:spcBef>
@@ -3501,7 +3584,7 @@
               <a:buChar char="●"/>
               <a:defRPr sz="1200"/>
             </a:lvl1pPr>
-            <a:lvl2pPr indent="-304800" lvl="1" marL="914400">
+            <a:lvl2pPr marL="914400" lvl="1" indent="-304800">
               <a:spcBef>
                 <a:spcPts val="1600"/>
               </a:spcBef>
@@ -3512,7 +3595,7 @@
               <a:buChar char="○"/>
               <a:defRPr sz="1200"/>
             </a:lvl2pPr>
-            <a:lvl3pPr indent="-304800" lvl="2" marL="1371600">
+            <a:lvl3pPr marL="1371600" lvl="2" indent="-304800">
               <a:spcBef>
                 <a:spcPts val="1600"/>
               </a:spcBef>
@@ -3523,7 +3606,7 @@
               <a:buChar char="■"/>
               <a:defRPr sz="1200"/>
             </a:lvl3pPr>
-            <a:lvl4pPr indent="-304800" lvl="3" marL="1828800">
+            <a:lvl4pPr marL="1828800" lvl="3" indent="-304800">
               <a:spcBef>
                 <a:spcPts val="1600"/>
               </a:spcBef>
@@ -3534,7 +3617,7 @@
               <a:buChar char="●"/>
               <a:defRPr sz="1200"/>
             </a:lvl4pPr>
-            <a:lvl5pPr indent="-304800" lvl="4" marL="2286000">
+            <a:lvl5pPr marL="2286000" lvl="4" indent="-304800">
               <a:spcBef>
                 <a:spcPts val="1600"/>
               </a:spcBef>
@@ -3545,7 +3628,7 @@
               <a:buChar char="○"/>
               <a:defRPr sz="1200"/>
             </a:lvl5pPr>
-            <a:lvl6pPr indent="-304800" lvl="5" marL="2743200">
+            <a:lvl6pPr marL="2743200" lvl="5" indent="-304800">
               <a:spcBef>
                 <a:spcPts val="1600"/>
               </a:spcBef>
@@ -3556,7 +3639,7 @@
               <a:buChar char="■"/>
               <a:defRPr sz="1200"/>
             </a:lvl6pPr>
-            <a:lvl7pPr indent="-304800" lvl="6" marL="3200400">
+            <a:lvl7pPr marL="3200400" lvl="6" indent="-304800">
               <a:spcBef>
                 <a:spcPts val="1600"/>
               </a:spcBef>
@@ -3567,7 +3650,7 @@
               <a:buChar char="●"/>
               <a:defRPr sz="1200"/>
             </a:lvl7pPr>
-            <a:lvl8pPr indent="-304800" lvl="7" marL="3657600">
+            <a:lvl8pPr marL="3657600" lvl="7" indent="-304800">
               <a:spcBef>
                 <a:spcPts val="1600"/>
               </a:spcBef>
@@ -3578,7 +3661,7 @@
               <a:buChar char="○"/>
               <a:defRPr sz="1200"/>
             </a:lvl8pPr>
-            <a:lvl9pPr indent="-304800" lvl="8" marL="4114800">
+            <a:lvl9pPr marL="4114800" lvl="8" indent="-304800">
               <a:spcBef>
                 <a:spcPts val="1600"/>
               </a:spcBef>
@@ -3590,15 +3673,19 @@
               <a:defRPr sz="1200"/>
             </a:lvl9pPr>
           </a:lstStyle>
-          <a:p/>
+          <a:p>
+            <a:endParaRPr/>
+          </a:p>
         </p:txBody>
       </p:sp>
       <p:sp>
         <p:nvSpPr>
           <p:cNvPr id="35" name="Google Shape;35;p7"/>
-          <p:cNvSpPr txBox="1"/>
+          <p:cNvSpPr txBox="1">
+            <a:spLocks noGrp="1"/>
+          </p:cNvSpPr>
           <p:nvPr>
-            <p:ph idx="12" type="sldNum"/>
+            <p:ph type="sldNum" idx="12"/>
           </p:nvPr>
         </p:nvSpPr>
         <p:spPr>
@@ -3611,7 +3698,7 @@
           </a:prstGeom>
         </p:spPr>
         <p:txBody>
-          <a:bodyPr anchorCtr="0" anchor="ctr" bIns="91425" lIns="91425" spcFirstLastPara="1" rIns="91425" wrap="square" tIns="91425">
+          <a:bodyPr spcFirstLastPara="1" wrap="square" lIns="91425" tIns="91425" rIns="91425" bIns="91425" anchor="ctr" anchorCtr="0">
             <a:noAutofit/>
           </a:bodyPr>
           <a:lstStyle>
@@ -3653,7 +3740,7 @@
             </a:lvl9pPr>
           </a:lstStyle>
           <a:p>
-            <a:pPr indent="0" lvl="0" marL="0" rtl="0" algn="r">
+            <a:pPr marL="0" lvl="0" indent="0" algn="r" rtl="0">
               <a:spcBef>
                 <a:spcPts val="0"/>
               </a:spcBef>
@@ -3679,18 +3766,19 @@
 </file>
 
 <file path=ppt/slideLayouts/slideLayout7.xml><?xml version="1.0" encoding="utf-8"?>
-<p:sldLayout xmlns:a="http://schemas.openxmlformats.org/drawingml/2006/main" xmlns:r="http://schemas.openxmlformats.org/officeDocument/2006/relationships" xmlns:mc="http://schemas.openxmlformats.org/markup-compatibility/2006" xmlns:mv="urn:schemas-microsoft-com:mac:vml" xmlns:p="http://schemas.openxmlformats.org/presentationml/2006/main" xmlns:c="http://schemas.openxmlformats.org/drawingml/2006/chart" xmlns:dgm="http://schemas.openxmlformats.org/drawingml/2006/diagram" xmlns:o="urn:schemas-microsoft-com:office:office" xmlns:v="urn:schemas-microsoft-com:vml" xmlns:pvml="urn:schemas-microsoft-com:office:powerpoint" xmlns:com="http://schemas.openxmlformats.org/drawingml/2006/compatibility" xmlns:p14="http://schemas.microsoft.com/office/powerpoint/2010/main" xmlns:p15="http://schemas.microsoft.com/office/powerpoint/2012/main" matchingName="Main point">
+<p:sldLayout xmlns:a="http://schemas.openxmlformats.org/drawingml/2006/main" xmlns:r="http://schemas.openxmlformats.org/officeDocument/2006/relationships" xmlns:p="http://schemas.openxmlformats.org/presentationml/2006/main" matchingName="Main point">
   <p:cSld name="MAIN_POINT">
     <p:bg>
       <p:bgPr>
         <a:solidFill>
           <a:schemeClr val="lt2"/>
         </a:solidFill>
+        <a:effectLst/>
       </p:bgPr>
     </p:bg>
     <p:spTree>
       <p:nvGrpSpPr>
-        <p:cNvPr id="36" name="Shape 36"/>
+        <p:cNvPr id="1" name="Shape 36"/>
         <p:cNvGrpSpPr/>
         <p:nvPr/>
       </p:nvGrpSpPr>
@@ -3705,7 +3793,9 @@
       <p:sp>
         <p:nvSpPr>
           <p:cNvPr id="37" name="Google Shape;37;p8"/>
-          <p:cNvSpPr txBox="1"/>
+          <p:cNvSpPr txBox="1">
+            <a:spLocks noGrp="1"/>
+          </p:cNvSpPr>
           <p:nvPr>
             <p:ph type="title"/>
           </p:nvPr>
@@ -3720,7 +3810,7 @@
           </a:prstGeom>
         </p:spPr>
         <p:txBody>
-          <a:bodyPr anchorCtr="0" anchor="ctr" bIns="91425" lIns="91425" spcFirstLastPara="1" rIns="91425" wrap="square" tIns="91425">
+          <a:bodyPr spcFirstLastPara="1" wrap="square" lIns="91425" tIns="91425" rIns="91425" bIns="91425" anchor="ctr" anchorCtr="0">
             <a:noAutofit/>
           </a:bodyPr>
           <a:lstStyle>
@@ -3887,15 +3977,19 @@
               </a:defRPr>
             </a:lvl9pPr>
           </a:lstStyle>
-          <a:p/>
+          <a:p>
+            <a:endParaRPr/>
+          </a:p>
         </p:txBody>
       </p:sp>
       <p:sp>
         <p:nvSpPr>
           <p:cNvPr id="38" name="Google Shape;38;p8"/>
-          <p:cNvSpPr txBox="1"/>
+          <p:cNvSpPr txBox="1">
+            <a:spLocks noGrp="1"/>
+          </p:cNvSpPr>
           <p:nvPr>
-            <p:ph idx="12" type="sldNum"/>
+            <p:ph type="sldNum" idx="12"/>
           </p:nvPr>
         </p:nvSpPr>
         <p:spPr>
@@ -3908,7 +4002,7 @@
           </a:prstGeom>
         </p:spPr>
         <p:txBody>
-          <a:bodyPr anchorCtr="0" anchor="ctr" bIns="91425" lIns="91425" spcFirstLastPara="1" rIns="91425" wrap="square" tIns="91425">
+          <a:bodyPr spcFirstLastPara="1" wrap="square" lIns="91425" tIns="91425" rIns="91425" bIns="91425" anchor="ctr" anchorCtr="0">
             <a:noAutofit/>
           </a:bodyPr>
           <a:lstStyle>
@@ -3986,7 +4080,7 @@
             </a:lvl9pPr>
           </a:lstStyle>
           <a:p>
-            <a:pPr indent="0" lvl="0" marL="0" rtl="0" algn="r">
+            <a:pPr marL="0" lvl="0" indent="0" algn="r" rtl="0">
               <a:spcBef>
                 <a:spcPts val="0"/>
               </a:spcBef>
@@ -4012,11 +4106,11 @@
 </file>
 
 <file path=ppt/slideLayouts/slideLayout8.xml><?xml version="1.0" encoding="utf-8"?>
-<p:sldLayout xmlns:a="http://schemas.openxmlformats.org/drawingml/2006/main" xmlns:r="http://schemas.openxmlformats.org/officeDocument/2006/relationships" xmlns:mc="http://schemas.openxmlformats.org/markup-compatibility/2006" xmlns:mv="urn:schemas-microsoft-com:mac:vml" xmlns:p="http://schemas.openxmlformats.org/presentationml/2006/main" xmlns:c="http://schemas.openxmlformats.org/drawingml/2006/chart" xmlns:dgm="http://schemas.openxmlformats.org/drawingml/2006/diagram" xmlns:o="urn:schemas-microsoft-com:office:office" xmlns:v="urn:schemas-microsoft-com:vml" xmlns:pvml="urn:schemas-microsoft-com:office:powerpoint" xmlns:com="http://schemas.openxmlformats.org/drawingml/2006/compatibility" xmlns:p14="http://schemas.microsoft.com/office/powerpoint/2010/main" xmlns:p15="http://schemas.microsoft.com/office/powerpoint/2012/main" matchingName="Section title and description">
+<p:sldLayout xmlns:a="http://schemas.openxmlformats.org/drawingml/2006/main" xmlns:r="http://schemas.openxmlformats.org/officeDocument/2006/relationships" xmlns:p="http://schemas.openxmlformats.org/presentationml/2006/main" matchingName="Section title and description">
   <p:cSld name="SECTION_TITLE_AND_DESCRIPTION">
     <p:spTree>
       <p:nvGrpSpPr>
-        <p:cNvPr id="39" name="Shape 39"/>
+        <p:cNvPr id="1" name="Shape 39"/>
         <p:cNvGrpSpPr/>
         <p:nvPr/>
       </p:nvGrpSpPr>
@@ -4050,12 +4144,12 @@
           </a:ln>
         </p:spPr>
         <p:txBody>
-          <a:bodyPr anchorCtr="0" anchor="ctr" bIns="91425" lIns="91425" spcFirstLastPara="1" rIns="91425" wrap="square" tIns="91425">
+          <a:bodyPr spcFirstLastPara="1" wrap="square" lIns="91425" tIns="91425" rIns="91425" bIns="91425" anchor="ctr" anchorCtr="0">
             <a:noAutofit/>
           </a:bodyPr>
           <a:lstStyle/>
           <a:p>
-            <a:pPr indent="0" lvl="0" marL="0" rtl="0" algn="l">
+            <a:pPr marL="0" lvl="0" indent="0" algn="l" rtl="0">
               <a:spcBef>
                 <a:spcPts val="0"/>
               </a:spcBef>
@@ -4064,9 +4158,6 @@
               </a:spcAft>
               <a:buNone/>
             </a:pPr>
-            <a:r>
-              <a:t/>
-            </a:r>
             <a:endParaRPr/>
           </a:p>
         </p:txBody>
@@ -4086,21 +4177,23 @@
             <a:avLst/>
           </a:prstGeom>
           <a:noFill/>
-          <a:ln cap="flat" cmpd="sng" w="19050">
+          <a:ln w="19050" cap="flat" cmpd="sng">
             <a:solidFill>
               <a:schemeClr val="lt2"/>
             </a:solidFill>
             <a:prstDash val="solid"/>
             <a:round/>
-            <a:headEnd len="sm" w="sm" type="none"/>
-            <a:tailEnd len="sm" w="sm" type="none"/>
+            <a:headEnd type="none" w="sm" len="sm"/>
+            <a:tailEnd type="none" w="sm" len="sm"/>
           </a:ln>
         </p:spPr>
       </p:cxnSp>
       <p:sp>
         <p:nvSpPr>
           <p:cNvPr id="42" name="Google Shape;42;p9"/>
-          <p:cNvSpPr txBox="1"/>
+          <p:cNvSpPr txBox="1">
+            <a:spLocks noGrp="1"/>
+          </p:cNvSpPr>
           <p:nvPr>
             <p:ph type="title"/>
           </p:nvPr>
@@ -4115,7 +4208,7 @@
           </a:prstGeom>
         </p:spPr>
         <p:txBody>
-          <a:bodyPr anchorCtr="0" anchor="b" bIns="91425" lIns="91425" spcFirstLastPara="1" rIns="91425" wrap="square" tIns="91425">
+          <a:bodyPr spcFirstLastPara="1" wrap="square" lIns="91425" tIns="91425" rIns="91425" bIns="91425" anchor="b" anchorCtr="0">
             <a:noAutofit/>
           </a:bodyPr>
           <a:lstStyle>
@@ -4282,15 +4375,19 @@
               </a:defRPr>
             </a:lvl9pPr>
           </a:lstStyle>
-          <a:p/>
+          <a:p>
+            <a:endParaRPr/>
+          </a:p>
         </p:txBody>
       </p:sp>
       <p:sp>
         <p:nvSpPr>
           <p:cNvPr id="43" name="Google Shape;43;p9"/>
-          <p:cNvSpPr txBox="1"/>
+          <p:cNvSpPr txBox="1">
+            <a:spLocks noGrp="1"/>
+          </p:cNvSpPr>
           <p:nvPr>
-            <p:ph idx="1" type="subTitle"/>
+            <p:ph type="subTitle" idx="1"/>
           </p:nvPr>
         </p:nvSpPr>
         <p:spPr>
@@ -4303,7 +4400,7 @@
           </a:prstGeom>
         </p:spPr>
         <p:txBody>
-          <a:bodyPr anchorCtr="0" anchor="t" bIns="91425" lIns="91425" spcFirstLastPara="1" rIns="91425" wrap="square" tIns="91425">
+          <a:bodyPr spcFirstLastPara="1" wrap="square" lIns="91425" tIns="91425" rIns="91425" bIns="91425" anchor="t" anchorCtr="0">
             <a:noAutofit/>
           </a:bodyPr>
           <a:lstStyle>
@@ -4434,15 +4531,19 @@
               <a:defRPr sz="2100"/>
             </a:lvl9pPr>
           </a:lstStyle>
-          <a:p/>
+          <a:p>
+            <a:endParaRPr/>
+          </a:p>
         </p:txBody>
       </p:sp>
       <p:sp>
         <p:nvSpPr>
           <p:cNvPr id="44" name="Google Shape;44;p9"/>
-          <p:cNvSpPr txBox="1"/>
+          <p:cNvSpPr txBox="1">
+            <a:spLocks noGrp="1"/>
+          </p:cNvSpPr>
           <p:nvPr>
-            <p:ph idx="2" type="body"/>
+            <p:ph type="body" idx="2"/>
           </p:nvPr>
         </p:nvSpPr>
         <p:spPr>
@@ -4455,11 +4556,11 @@
           </a:prstGeom>
         </p:spPr>
         <p:txBody>
-          <a:bodyPr anchorCtr="0" anchor="ctr" bIns="91425" lIns="91425" spcFirstLastPara="1" rIns="91425" wrap="square" tIns="91425">
+          <a:bodyPr spcFirstLastPara="1" wrap="square" lIns="91425" tIns="91425" rIns="91425" bIns="91425" anchor="ctr" anchorCtr="0">
             <a:noAutofit/>
           </a:bodyPr>
           <a:lstStyle>
-            <a:lvl1pPr indent="-342900" lvl="0" marL="457200">
+            <a:lvl1pPr marL="457200" lvl="0" indent="-342900">
               <a:spcBef>
                 <a:spcPts val="0"/>
               </a:spcBef>
@@ -4477,7 +4578,7 @@
                 </a:solidFill>
               </a:defRPr>
             </a:lvl1pPr>
-            <a:lvl2pPr indent="-317500" lvl="1" marL="914400">
+            <a:lvl2pPr marL="914400" lvl="1" indent="-317500">
               <a:spcBef>
                 <a:spcPts val="1600"/>
               </a:spcBef>
@@ -4495,7 +4596,7 @@
                 </a:solidFill>
               </a:defRPr>
             </a:lvl2pPr>
-            <a:lvl3pPr indent="-317500" lvl="2" marL="1371600">
+            <a:lvl3pPr marL="1371600" lvl="2" indent="-317500">
               <a:spcBef>
                 <a:spcPts val="1600"/>
               </a:spcBef>
@@ -4513,7 +4614,7 @@
                 </a:solidFill>
               </a:defRPr>
             </a:lvl3pPr>
-            <a:lvl4pPr indent="-317500" lvl="3" marL="1828800">
+            <a:lvl4pPr marL="1828800" lvl="3" indent="-317500">
               <a:spcBef>
                 <a:spcPts val="1600"/>
               </a:spcBef>
@@ -4531,7 +4632,7 @@
                 </a:solidFill>
               </a:defRPr>
             </a:lvl4pPr>
-            <a:lvl5pPr indent="-317500" lvl="4" marL="2286000">
+            <a:lvl5pPr marL="2286000" lvl="4" indent="-317500">
               <a:spcBef>
                 <a:spcPts val="1600"/>
               </a:spcBef>
@@ -4549,7 +4650,7 @@
                 </a:solidFill>
               </a:defRPr>
             </a:lvl5pPr>
-            <a:lvl6pPr indent="-317500" lvl="5" marL="2743200">
+            <a:lvl6pPr marL="2743200" lvl="5" indent="-317500">
               <a:spcBef>
                 <a:spcPts val="1600"/>
               </a:spcBef>
@@ -4567,7 +4668,7 @@
                 </a:solidFill>
               </a:defRPr>
             </a:lvl6pPr>
-            <a:lvl7pPr indent="-317500" lvl="6" marL="3200400">
+            <a:lvl7pPr marL="3200400" lvl="6" indent="-317500">
               <a:spcBef>
                 <a:spcPts val="1600"/>
               </a:spcBef>
@@ -4585,7 +4686,7 @@
                 </a:solidFill>
               </a:defRPr>
             </a:lvl7pPr>
-            <a:lvl8pPr indent="-317500" lvl="7" marL="3657600">
+            <a:lvl8pPr marL="3657600" lvl="7" indent="-317500">
               <a:spcBef>
                 <a:spcPts val="1600"/>
               </a:spcBef>
@@ -4603,7 +4704,7 @@
                 </a:solidFill>
               </a:defRPr>
             </a:lvl8pPr>
-            <a:lvl9pPr indent="-317500" lvl="8" marL="4114800">
+            <a:lvl9pPr marL="4114800" lvl="8" indent="-317500">
               <a:spcBef>
                 <a:spcPts val="1600"/>
               </a:spcBef>
@@ -4622,15 +4723,19 @@
               </a:defRPr>
             </a:lvl9pPr>
           </a:lstStyle>
-          <a:p/>
+          <a:p>
+            <a:endParaRPr/>
+          </a:p>
         </p:txBody>
       </p:sp>
       <p:sp>
         <p:nvSpPr>
           <p:cNvPr id="45" name="Google Shape;45;p9"/>
-          <p:cNvSpPr txBox="1"/>
+          <p:cNvSpPr txBox="1">
+            <a:spLocks noGrp="1"/>
+          </p:cNvSpPr>
           <p:nvPr>
-            <p:ph idx="12" type="sldNum"/>
+            <p:ph type="sldNum" idx="12"/>
           </p:nvPr>
         </p:nvSpPr>
         <p:spPr>
@@ -4643,7 +4748,7 @@
           </a:prstGeom>
         </p:spPr>
         <p:txBody>
-          <a:bodyPr anchorCtr="0" anchor="ctr" bIns="91425" lIns="91425" spcFirstLastPara="1" rIns="91425" wrap="square" tIns="91425">
+          <a:bodyPr spcFirstLastPara="1" wrap="square" lIns="91425" tIns="91425" rIns="91425" bIns="91425" anchor="ctr" anchorCtr="0">
             <a:noAutofit/>
           </a:bodyPr>
           <a:lstStyle>
@@ -4721,7 +4826,7 @@
             </a:lvl9pPr>
           </a:lstStyle>
           <a:p>
-            <a:pPr indent="0" lvl="0" marL="0" rtl="0" algn="r">
+            <a:pPr marL="0" lvl="0" indent="0" algn="r" rtl="0">
               <a:spcBef>
                 <a:spcPts val="0"/>
               </a:spcBef>
@@ -4747,11 +4852,11 @@
 </file>
 
 <file path=ppt/slideLayouts/slideLayout9.xml><?xml version="1.0" encoding="utf-8"?>
-<p:sldLayout xmlns:a="http://schemas.openxmlformats.org/drawingml/2006/main" xmlns:r="http://schemas.openxmlformats.org/officeDocument/2006/relationships" xmlns:mc="http://schemas.openxmlformats.org/markup-compatibility/2006" xmlns:mv="urn:schemas-microsoft-com:mac:vml" xmlns:p="http://schemas.openxmlformats.org/presentationml/2006/main" xmlns:c="http://schemas.openxmlformats.org/drawingml/2006/chart" xmlns:dgm="http://schemas.openxmlformats.org/drawingml/2006/diagram" xmlns:o="urn:schemas-microsoft-com:office:office" xmlns:v="urn:schemas-microsoft-com:vml" xmlns:pvml="urn:schemas-microsoft-com:office:powerpoint" xmlns:com="http://schemas.openxmlformats.org/drawingml/2006/compatibility" xmlns:p14="http://schemas.microsoft.com/office/powerpoint/2010/main" xmlns:p15="http://schemas.microsoft.com/office/powerpoint/2012/main" matchingName="Caption">
+<p:sldLayout xmlns:a="http://schemas.openxmlformats.org/drawingml/2006/main" xmlns:r="http://schemas.openxmlformats.org/officeDocument/2006/relationships" xmlns:p="http://schemas.openxmlformats.org/presentationml/2006/main" matchingName="Caption">
   <p:cSld name="CAPTION_ONLY">
     <p:spTree>
       <p:nvGrpSpPr>
-        <p:cNvPr id="46" name="Shape 46"/>
+        <p:cNvPr id="1" name="Shape 46"/>
         <p:cNvGrpSpPr/>
         <p:nvPr/>
       </p:nvGrpSpPr>
@@ -4766,9 +4871,11 @@
       <p:sp>
         <p:nvSpPr>
           <p:cNvPr id="47" name="Google Shape;47;p10"/>
-          <p:cNvSpPr txBox="1"/>
+          <p:cNvSpPr txBox="1">
+            <a:spLocks noGrp="1"/>
+          </p:cNvSpPr>
           <p:nvPr>
-            <p:ph idx="1" type="body"/>
+            <p:ph type="body" idx="1"/>
           </p:nvPr>
         </p:nvSpPr>
         <p:spPr>
@@ -4781,11 +4888,11 @@
           </a:prstGeom>
         </p:spPr>
         <p:txBody>
-          <a:bodyPr anchorCtr="0" anchor="ctr" bIns="91425" lIns="91425" spcFirstLastPara="1" rIns="91425" wrap="square" tIns="91425">
+          <a:bodyPr spcFirstLastPara="1" wrap="square" lIns="91425" tIns="91425" rIns="91425" bIns="91425" anchor="ctr" anchorCtr="0">
             <a:noAutofit/>
           </a:bodyPr>
           <a:lstStyle>
-            <a:lvl1pPr indent="-228600" lvl="0" marL="457200">
+            <a:lvl1pPr marL="457200" lvl="0" indent="-228600">
               <a:lnSpc>
                 <a:spcPct val="100000"/>
               </a:lnSpc>
@@ -4800,15 +4907,19 @@
               <a:defRPr/>
             </a:lvl1pPr>
           </a:lstStyle>
-          <a:p/>
+          <a:p>
+            <a:endParaRPr/>
+          </a:p>
         </p:txBody>
       </p:sp>
       <p:sp>
         <p:nvSpPr>
           <p:cNvPr id="48" name="Google Shape;48;p10"/>
-          <p:cNvSpPr txBox="1"/>
+          <p:cNvSpPr txBox="1">
+            <a:spLocks noGrp="1"/>
+          </p:cNvSpPr>
           <p:nvPr>
-            <p:ph idx="12" type="sldNum"/>
+            <p:ph type="sldNum" idx="12"/>
           </p:nvPr>
         </p:nvSpPr>
         <p:spPr>
@@ -4821,7 +4932,7 @@
           </a:prstGeom>
         </p:spPr>
         <p:txBody>
-          <a:bodyPr anchorCtr="0" anchor="ctr" bIns="91425" lIns="91425" spcFirstLastPara="1" rIns="91425" wrap="square" tIns="91425">
+          <a:bodyPr spcFirstLastPara="1" wrap="square" lIns="91425" tIns="91425" rIns="91425" bIns="91425" anchor="ctr" anchorCtr="0">
             <a:noAutofit/>
           </a:bodyPr>
           <a:lstStyle>
@@ -4863,7 +4974,7 @@
             </a:lvl9pPr>
           </a:lstStyle>
           <a:p>
-            <a:pPr indent="0" lvl="0" marL="0" rtl="0" algn="r">
+            <a:pPr marL="0" lvl="0" indent="0" algn="r" rtl="0">
               <a:spcBef>
                 <a:spcPts val="0"/>
               </a:spcBef>
@@ -4889,18 +5000,19 @@
 </file>
 
 <file path=ppt/slideMasters/slideMaster1.xml><?xml version="1.0" encoding="utf-8"?>
-<p:sldMaster xmlns:a="http://schemas.openxmlformats.org/drawingml/2006/main" xmlns:r="http://schemas.openxmlformats.org/officeDocument/2006/relationships" xmlns:mc="http://schemas.openxmlformats.org/markup-compatibility/2006" xmlns:mv="urn:schemas-microsoft-com:mac:vml" xmlns:p="http://schemas.openxmlformats.org/presentationml/2006/main" xmlns:c="http://schemas.openxmlformats.org/drawingml/2006/chart" xmlns:dgm="http://schemas.openxmlformats.org/drawingml/2006/diagram" xmlns:o="urn:schemas-microsoft-com:office:office" xmlns:v="urn:schemas-microsoft-com:vml" xmlns:pvml="urn:schemas-microsoft-com:office:powerpoint" xmlns:com="http://schemas.openxmlformats.org/drawingml/2006/compatibility" xmlns:p14="http://schemas.microsoft.com/office/powerpoint/2010/main" xmlns:p15="http://schemas.microsoft.com/office/powerpoint/2012/main">
+<p:sldMaster xmlns:a="http://schemas.openxmlformats.org/drawingml/2006/main" xmlns:r="http://schemas.openxmlformats.org/officeDocument/2006/relationships" xmlns:p="http://schemas.openxmlformats.org/presentationml/2006/main">
   <p:cSld name="paperback">
     <p:bg>
       <p:bgPr>
         <a:solidFill>
           <a:schemeClr val="accent1"/>
         </a:solidFill>
+        <a:effectLst/>
       </p:bgPr>
     </p:bg>
     <p:spTree>
       <p:nvGrpSpPr>
-        <p:cNvPr id="5" name="Shape 5"/>
+        <p:cNvPr id="1" name="Shape 5"/>
         <p:cNvGrpSpPr/>
         <p:nvPr/>
       </p:nvGrpSpPr>
@@ -4915,7 +5027,9 @@
       <p:sp>
         <p:nvSpPr>
           <p:cNvPr id="6" name="Google Shape;6;p1"/>
-          <p:cNvSpPr txBox="1"/>
+          <p:cNvSpPr txBox="1">
+            <a:spLocks noGrp="1"/>
+          </p:cNvSpPr>
           <p:nvPr>
             <p:ph type="title"/>
           </p:nvPr>
@@ -4934,7 +5048,7 @@
           </a:ln>
         </p:spPr>
         <p:txBody>
-          <a:bodyPr anchorCtr="0" anchor="t" bIns="91425" lIns="91425" spcFirstLastPara="1" rIns="91425" wrap="square" tIns="91425">
+          <a:bodyPr spcFirstLastPara="1" wrap="square" lIns="91425" tIns="91425" rIns="91425" bIns="91425" anchor="t" anchorCtr="0">
             <a:noAutofit/>
           </a:bodyPr>
           <a:lstStyle>
@@ -5146,15 +5260,19 @@
               </a:defRPr>
             </a:lvl9pPr>
           </a:lstStyle>
-          <a:p/>
+          <a:p>
+            <a:endParaRPr/>
+          </a:p>
         </p:txBody>
       </p:sp>
       <p:sp>
         <p:nvSpPr>
           <p:cNvPr id="7" name="Google Shape;7;p1"/>
-          <p:cNvSpPr txBox="1"/>
+          <p:cNvSpPr txBox="1">
+            <a:spLocks noGrp="1"/>
+          </p:cNvSpPr>
           <p:nvPr>
-            <p:ph idx="1" type="body"/>
+            <p:ph type="body" idx="1"/>
           </p:nvPr>
         </p:nvSpPr>
         <p:spPr>
@@ -5171,11 +5289,11 @@
           </a:ln>
         </p:spPr>
         <p:txBody>
-          <a:bodyPr anchorCtr="0" anchor="t" bIns="91425" lIns="91425" spcFirstLastPara="1" rIns="91425" wrap="square" tIns="91425">
+          <a:bodyPr spcFirstLastPara="1" wrap="square" lIns="91425" tIns="91425" rIns="91425" bIns="91425" anchor="t" anchorCtr="0">
             <a:noAutofit/>
           </a:bodyPr>
           <a:lstStyle>
-            <a:lvl1pPr indent="-342900" lvl="0" marL="457200">
+            <a:lvl1pPr marL="457200" lvl="0" indent="-342900">
               <a:lnSpc>
                 <a:spcPct val="115000"/>
               </a:lnSpc>
@@ -5201,7 +5319,7 @@
                 <a:sym typeface="Old Standard TT"/>
               </a:defRPr>
             </a:lvl1pPr>
-            <a:lvl2pPr indent="-317500" lvl="1" marL="914400">
+            <a:lvl2pPr marL="914400" lvl="1" indent="-317500">
               <a:lnSpc>
                 <a:spcPct val="115000"/>
               </a:lnSpc>
@@ -5227,7 +5345,7 @@
                 <a:sym typeface="Old Standard TT"/>
               </a:defRPr>
             </a:lvl2pPr>
-            <a:lvl3pPr indent="-317500" lvl="2" marL="1371600">
+            <a:lvl3pPr marL="1371600" lvl="2" indent="-317500">
               <a:lnSpc>
                 <a:spcPct val="115000"/>
               </a:lnSpc>
@@ -5253,7 +5371,7 @@
                 <a:sym typeface="Old Standard TT"/>
               </a:defRPr>
             </a:lvl3pPr>
-            <a:lvl4pPr indent="-317500" lvl="3" marL="1828800">
+            <a:lvl4pPr marL="1828800" lvl="3" indent="-317500">
               <a:lnSpc>
                 <a:spcPct val="115000"/>
               </a:lnSpc>
@@ -5279,7 +5397,7 @@
                 <a:sym typeface="Old Standard TT"/>
               </a:defRPr>
             </a:lvl4pPr>
-            <a:lvl5pPr indent="-317500" lvl="4" marL="2286000">
+            <a:lvl5pPr marL="2286000" lvl="4" indent="-317500">
               <a:lnSpc>
                 <a:spcPct val="115000"/>
               </a:lnSpc>
@@ -5305,7 +5423,7 @@
                 <a:sym typeface="Old Standard TT"/>
               </a:defRPr>
             </a:lvl5pPr>
-            <a:lvl6pPr indent="-317500" lvl="5" marL="2743200">
+            <a:lvl6pPr marL="2743200" lvl="5" indent="-317500">
               <a:lnSpc>
                 <a:spcPct val="115000"/>
               </a:lnSpc>
@@ -5331,7 +5449,7 @@
                 <a:sym typeface="Old Standard TT"/>
               </a:defRPr>
             </a:lvl6pPr>
-            <a:lvl7pPr indent="-317500" lvl="6" marL="3200400">
+            <a:lvl7pPr marL="3200400" lvl="6" indent="-317500">
               <a:lnSpc>
                 <a:spcPct val="115000"/>
               </a:lnSpc>
@@ -5357,7 +5475,7 @@
                 <a:sym typeface="Old Standard TT"/>
               </a:defRPr>
             </a:lvl7pPr>
-            <a:lvl8pPr indent="-317500" lvl="7" marL="3657600">
+            <a:lvl8pPr marL="3657600" lvl="7" indent="-317500">
               <a:lnSpc>
                 <a:spcPct val="115000"/>
               </a:lnSpc>
@@ -5383,7 +5501,7 @@
                 <a:sym typeface="Old Standard TT"/>
               </a:defRPr>
             </a:lvl8pPr>
-            <a:lvl9pPr indent="-317500" lvl="8" marL="4114800">
+            <a:lvl9pPr marL="4114800" lvl="8" indent="-317500">
               <a:lnSpc>
                 <a:spcPct val="115000"/>
               </a:lnSpc>
@@ -5410,15 +5528,19 @@
               </a:defRPr>
             </a:lvl9pPr>
           </a:lstStyle>
-          <a:p/>
+          <a:p>
+            <a:endParaRPr/>
+          </a:p>
         </p:txBody>
       </p:sp>
       <p:sp>
         <p:nvSpPr>
           <p:cNvPr id="8" name="Google Shape;8;p1"/>
-          <p:cNvSpPr txBox="1"/>
+          <p:cNvSpPr txBox="1">
+            <a:spLocks noGrp="1"/>
+          </p:cNvSpPr>
           <p:nvPr>
-            <p:ph idx="12" type="sldNum"/>
+            <p:ph type="sldNum" idx="12"/>
           </p:nvPr>
         </p:nvSpPr>
         <p:spPr>
@@ -5435,7 +5557,7 @@
           </a:ln>
         </p:spPr>
         <p:txBody>
-          <a:bodyPr anchorCtr="0" anchor="ctr" bIns="91425" lIns="91425" spcFirstLastPara="1" rIns="91425" wrap="square" tIns="91425">
+          <a:bodyPr spcFirstLastPara="1" wrap="square" lIns="91425" tIns="91425" rIns="91425" bIns="91425" anchor="ctr" anchorCtr="0">
             <a:noAutofit/>
           </a:bodyPr>
           <a:lstStyle>
@@ -5549,7 +5671,7 @@
             </a:lvl9pPr>
           </a:lstStyle>
           <a:p>
-            <a:pPr indent="0" lvl="0" marL="0" rtl="0" algn="r">
+            <a:pPr marL="0" lvl="0" indent="0" algn="r" rtl="0">
               <a:spcBef>
                 <a:spcPts val="0"/>
               </a:spcBef>
@@ -5568,7 +5690,7 @@
       </p:sp>
     </p:spTree>
   </p:cSld>
-  <p:clrMap accent1="accent1" accent2="accent2" accent3="accent3" accent4="accent4" accent5="accent5" accent6="accent6" bg1="lt1" bg2="dk2" tx1="dk1" tx2="lt2" folHlink="folHlink" hlink="hlink"/>
+  <p:clrMap bg1="lt1" tx1="dk1" bg2="dk2" tx2="lt2" accent1="accent1" accent2="accent2" accent3="accent3" accent4="accent4" accent5="accent5" accent6="accent6" hlink="hlink" folHlink="folHlink"/>
   <p:sldLayoutIdLst>
     <p:sldLayoutId id="2147483648" r:id="rId1"/>
     <p:sldLayoutId id="2147483649" r:id="rId2"/>
@@ -5582,10 +5704,10 @@
     <p:sldLayoutId id="2147483657" r:id="rId10"/>
     <p:sldLayoutId id="2147483658" r:id="rId11"/>
   </p:sldLayoutIdLst>
-  <p:hf dt="0" ftr="0" hdr="0" sldNum="0"/>
+  <p:hf sldNum="0" hdr="0" ftr="0" dt="0"/>
   <p:txStyles>
     <p:titleStyle>
-      <a:defPPr lvl="0" marR="0" rtl="0" algn="l">
+      <a:defPPr marR="0" lvl="0" algn="l" rtl="0">
         <a:lnSpc>
           <a:spcPct val="100000"/>
         </a:lnSpc>
@@ -5596,7 +5718,7 @@
           <a:spcPts val="0"/>
         </a:spcAft>
       </a:defPPr>
-      <a:lvl1pPr lvl="0" marR="0" rtl="0" algn="l">
+      <a:lvl1pPr marR="0" lvl="0" algn="l" rtl="0">
         <a:lnSpc>
           <a:spcPct val="100000"/>
         </a:lnSpc>
@@ -5610,7 +5732,7 @@
           <a:srgbClr val="000000"/>
         </a:buClr>
         <a:buFont typeface="Arial"/>
-        <a:defRPr b="0" i="0" sz="1400" u="none" cap="none" strike="noStrike">
+        <a:defRPr sz="1400" b="0" i="0" u="none" strike="noStrike" cap="none">
           <a:solidFill>
             <a:srgbClr val="000000"/>
           </a:solidFill>
@@ -5620,7 +5742,7 @@
           <a:sym typeface="Arial"/>
         </a:defRPr>
       </a:lvl1pPr>
-      <a:lvl2pPr lvl="1" marR="0" rtl="0" algn="l">
+      <a:lvl2pPr marR="0" lvl="1" algn="l" rtl="0">
         <a:lnSpc>
           <a:spcPct val="100000"/>
         </a:lnSpc>
@@ -5634,7 +5756,7 @@
           <a:srgbClr val="000000"/>
         </a:buClr>
         <a:buFont typeface="Arial"/>
-        <a:defRPr b="0" i="0" sz="1400" u="none" cap="none" strike="noStrike">
+        <a:defRPr sz="1400" b="0" i="0" u="none" strike="noStrike" cap="none">
           <a:solidFill>
             <a:srgbClr val="000000"/>
           </a:solidFill>
@@ -5644,7 +5766,7 @@
           <a:sym typeface="Arial"/>
         </a:defRPr>
       </a:lvl2pPr>
-      <a:lvl3pPr lvl="2" marR="0" rtl="0" algn="l">
+      <a:lvl3pPr marR="0" lvl="2" algn="l" rtl="0">
         <a:lnSpc>
           <a:spcPct val="100000"/>
         </a:lnSpc>
@@ -5658,7 +5780,7 @@
           <a:srgbClr val="000000"/>
         </a:buClr>
         <a:buFont typeface="Arial"/>
-        <a:defRPr b="0" i="0" sz="1400" u="none" cap="none" strike="noStrike">
+        <a:defRPr sz="1400" b="0" i="0" u="none" strike="noStrike" cap="none">
           <a:solidFill>
             <a:srgbClr val="000000"/>
           </a:solidFill>
@@ -5668,7 +5790,7 @@
           <a:sym typeface="Arial"/>
         </a:defRPr>
       </a:lvl3pPr>
-      <a:lvl4pPr lvl="3" marR="0" rtl="0" algn="l">
+      <a:lvl4pPr marR="0" lvl="3" algn="l" rtl="0">
         <a:lnSpc>
           <a:spcPct val="100000"/>
         </a:lnSpc>
@@ -5682,7 +5804,7 @@
           <a:srgbClr val="000000"/>
         </a:buClr>
         <a:buFont typeface="Arial"/>
-        <a:defRPr b="0" i="0" sz="1400" u="none" cap="none" strike="noStrike">
+        <a:defRPr sz="1400" b="0" i="0" u="none" strike="noStrike" cap="none">
           <a:solidFill>
             <a:srgbClr val="000000"/>
           </a:solidFill>
@@ -5692,7 +5814,7 @@
           <a:sym typeface="Arial"/>
         </a:defRPr>
       </a:lvl4pPr>
-      <a:lvl5pPr lvl="4" marR="0" rtl="0" algn="l">
+      <a:lvl5pPr marR="0" lvl="4" algn="l" rtl="0">
         <a:lnSpc>
           <a:spcPct val="100000"/>
         </a:lnSpc>
@@ -5706,7 +5828,7 @@
           <a:srgbClr val="000000"/>
         </a:buClr>
         <a:buFont typeface="Arial"/>
-        <a:defRPr b="0" i="0" sz="1400" u="none" cap="none" strike="noStrike">
+        <a:defRPr sz="1400" b="0" i="0" u="none" strike="noStrike" cap="none">
           <a:solidFill>
             <a:srgbClr val="000000"/>
           </a:solidFill>
@@ -5716,7 +5838,7 @@
           <a:sym typeface="Arial"/>
         </a:defRPr>
       </a:lvl5pPr>
-      <a:lvl6pPr lvl="5" marR="0" rtl="0" algn="l">
+      <a:lvl6pPr marR="0" lvl="5" algn="l" rtl="0">
         <a:lnSpc>
           <a:spcPct val="100000"/>
         </a:lnSpc>
@@ -5730,7 +5852,7 @@
           <a:srgbClr val="000000"/>
         </a:buClr>
         <a:buFont typeface="Arial"/>
-        <a:defRPr b="0" i="0" sz="1400" u="none" cap="none" strike="noStrike">
+        <a:defRPr sz="1400" b="0" i="0" u="none" strike="noStrike" cap="none">
           <a:solidFill>
             <a:srgbClr val="000000"/>
           </a:solidFill>
@@ -5740,7 +5862,7 @@
           <a:sym typeface="Arial"/>
         </a:defRPr>
       </a:lvl6pPr>
-      <a:lvl7pPr lvl="6" marR="0" rtl="0" algn="l">
+      <a:lvl7pPr marR="0" lvl="6" algn="l" rtl="0">
         <a:lnSpc>
           <a:spcPct val="100000"/>
         </a:lnSpc>
@@ -5754,7 +5876,7 @@
           <a:srgbClr val="000000"/>
         </a:buClr>
         <a:buFont typeface="Arial"/>
-        <a:defRPr b="0" i="0" sz="1400" u="none" cap="none" strike="noStrike">
+        <a:defRPr sz="1400" b="0" i="0" u="none" strike="noStrike" cap="none">
           <a:solidFill>
             <a:srgbClr val="000000"/>
           </a:solidFill>
@@ -5764,7 +5886,7 @@
           <a:sym typeface="Arial"/>
         </a:defRPr>
       </a:lvl7pPr>
-      <a:lvl8pPr lvl="7" marR="0" rtl="0" algn="l">
+      <a:lvl8pPr marR="0" lvl="7" algn="l" rtl="0">
         <a:lnSpc>
           <a:spcPct val="100000"/>
         </a:lnSpc>
@@ -5778,7 +5900,7 @@
           <a:srgbClr val="000000"/>
         </a:buClr>
         <a:buFont typeface="Arial"/>
-        <a:defRPr b="0" i="0" sz="1400" u="none" cap="none" strike="noStrike">
+        <a:defRPr sz="1400" b="0" i="0" u="none" strike="noStrike" cap="none">
           <a:solidFill>
             <a:srgbClr val="000000"/>
           </a:solidFill>
@@ -5788,7 +5910,7 @@
           <a:sym typeface="Arial"/>
         </a:defRPr>
       </a:lvl8pPr>
-      <a:lvl9pPr lvl="8" marR="0" rtl="0" algn="l">
+      <a:lvl9pPr marR="0" lvl="8" algn="l" rtl="0">
         <a:lnSpc>
           <a:spcPct val="100000"/>
         </a:lnSpc>
@@ -5802,7 +5924,7 @@
           <a:srgbClr val="000000"/>
         </a:buClr>
         <a:buFont typeface="Arial"/>
-        <a:defRPr b="0" i="0" sz="1400" u="none" cap="none" strike="noStrike">
+        <a:defRPr sz="1400" b="0" i="0" u="none" strike="noStrike" cap="none">
           <a:solidFill>
             <a:srgbClr val="000000"/>
           </a:solidFill>
@@ -5814,7 +5936,7 @@
       </a:lvl9pPr>
     </p:titleStyle>
     <p:bodyStyle>
-      <a:defPPr lvl="0" marR="0" rtl="0" algn="l">
+      <a:defPPr marR="0" lvl="0" algn="l" rtl="0">
         <a:lnSpc>
           <a:spcPct val="100000"/>
         </a:lnSpc>
@@ -5825,7 +5947,7 @@
           <a:spcPts val="0"/>
         </a:spcAft>
       </a:defPPr>
-      <a:lvl1pPr lvl="0" marR="0" rtl="0" algn="l">
+      <a:lvl1pPr marR="0" lvl="0" algn="l" rtl="0">
         <a:lnSpc>
           <a:spcPct val="100000"/>
         </a:lnSpc>
@@ -5839,7 +5961,7 @@
           <a:srgbClr val="000000"/>
         </a:buClr>
         <a:buFont typeface="Arial"/>
-        <a:defRPr b="0" i="0" sz="1400" u="none" cap="none" strike="noStrike">
+        <a:defRPr sz="1400" b="0" i="0" u="none" strike="noStrike" cap="none">
           <a:solidFill>
             <a:srgbClr val="000000"/>
           </a:solidFill>
@@ -5849,7 +5971,7 @@
           <a:sym typeface="Arial"/>
         </a:defRPr>
       </a:lvl1pPr>
-      <a:lvl2pPr lvl="1" marR="0" rtl="0" algn="l">
+      <a:lvl2pPr marR="0" lvl="1" algn="l" rtl="0">
         <a:lnSpc>
           <a:spcPct val="100000"/>
         </a:lnSpc>
@@ -5863,7 +5985,7 @@
           <a:srgbClr val="000000"/>
         </a:buClr>
         <a:buFont typeface="Arial"/>
-        <a:defRPr b="0" i="0" sz="1400" u="none" cap="none" strike="noStrike">
+        <a:defRPr sz="1400" b="0" i="0" u="none" strike="noStrike" cap="none">
           <a:solidFill>
             <a:srgbClr val="000000"/>
           </a:solidFill>
@@ -5873,7 +5995,7 @@
           <a:sym typeface="Arial"/>
         </a:defRPr>
       </a:lvl2pPr>
-      <a:lvl3pPr lvl="2" marR="0" rtl="0" algn="l">
+      <a:lvl3pPr marR="0" lvl="2" algn="l" rtl="0">
         <a:lnSpc>
           <a:spcPct val="100000"/>
         </a:lnSpc>
@@ -5887,7 +6009,7 @@
           <a:srgbClr val="000000"/>
         </a:buClr>
         <a:buFont typeface="Arial"/>
-        <a:defRPr b="0" i="0" sz="1400" u="none" cap="none" strike="noStrike">
+        <a:defRPr sz="1400" b="0" i="0" u="none" strike="noStrike" cap="none">
           <a:solidFill>
             <a:srgbClr val="000000"/>
           </a:solidFill>
@@ -5897,7 +6019,7 @@
           <a:sym typeface="Arial"/>
         </a:defRPr>
       </a:lvl3pPr>
-      <a:lvl4pPr lvl="3" marR="0" rtl="0" algn="l">
+      <a:lvl4pPr marR="0" lvl="3" algn="l" rtl="0">
         <a:lnSpc>
           <a:spcPct val="100000"/>
         </a:lnSpc>
@@ -5911,7 +6033,7 @@
           <a:srgbClr val="000000"/>
         </a:buClr>
         <a:buFont typeface="Arial"/>
-        <a:defRPr b="0" i="0" sz="1400" u="none" cap="none" strike="noStrike">
+        <a:defRPr sz="1400" b="0" i="0" u="none" strike="noStrike" cap="none">
           <a:solidFill>
             <a:srgbClr val="000000"/>
           </a:solidFill>
@@ -5921,7 +6043,7 @@
           <a:sym typeface="Arial"/>
         </a:defRPr>
       </a:lvl4pPr>
-      <a:lvl5pPr lvl="4" marR="0" rtl="0" algn="l">
+      <a:lvl5pPr marR="0" lvl="4" algn="l" rtl="0">
         <a:lnSpc>
           <a:spcPct val="100000"/>
         </a:lnSpc>
@@ -5935,7 +6057,7 @@
           <a:srgbClr val="000000"/>
         </a:buClr>
         <a:buFont typeface="Arial"/>
-        <a:defRPr b="0" i="0" sz="1400" u="none" cap="none" strike="noStrike">
+        <a:defRPr sz="1400" b="0" i="0" u="none" strike="noStrike" cap="none">
           <a:solidFill>
             <a:srgbClr val="000000"/>
           </a:solidFill>
@@ -5945,7 +6067,7 @@
           <a:sym typeface="Arial"/>
         </a:defRPr>
       </a:lvl5pPr>
-      <a:lvl6pPr lvl="5" marR="0" rtl="0" algn="l">
+      <a:lvl6pPr marR="0" lvl="5" algn="l" rtl="0">
         <a:lnSpc>
           <a:spcPct val="100000"/>
         </a:lnSpc>
@@ -5959,7 +6081,7 @@
           <a:srgbClr val="000000"/>
         </a:buClr>
         <a:buFont typeface="Arial"/>
-        <a:defRPr b="0" i="0" sz="1400" u="none" cap="none" strike="noStrike">
+        <a:defRPr sz="1400" b="0" i="0" u="none" strike="noStrike" cap="none">
           <a:solidFill>
             <a:srgbClr val="000000"/>
           </a:solidFill>
@@ -5969,7 +6091,7 @@
           <a:sym typeface="Arial"/>
         </a:defRPr>
       </a:lvl6pPr>
-      <a:lvl7pPr lvl="6" marR="0" rtl="0" algn="l">
+      <a:lvl7pPr marR="0" lvl="6" algn="l" rtl="0">
         <a:lnSpc>
           <a:spcPct val="100000"/>
         </a:lnSpc>
@@ -5983,7 +6105,7 @@
           <a:srgbClr val="000000"/>
         </a:buClr>
         <a:buFont typeface="Arial"/>
-        <a:defRPr b="0" i="0" sz="1400" u="none" cap="none" strike="noStrike">
+        <a:defRPr sz="1400" b="0" i="0" u="none" strike="noStrike" cap="none">
           <a:solidFill>
             <a:srgbClr val="000000"/>
           </a:solidFill>
@@ -5993,7 +6115,7 @@
           <a:sym typeface="Arial"/>
         </a:defRPr>
       </a:lvl7pPr>
-      <a:lvl8pPr lvl="7" marR="0" rtl="0" algn="l">
+      <a:lvl8pPr marR="0" lvl="7" algn="l" rtl="0">
         <a:lnSpc>
           <a:spcPct val="100000"/>
         </a:lnSpc>
@@ -6007,7 +6129,7 @@
           <a:srgbClr val="000000"/>
         </a:buClr>
         <a:buFont typeface="Arial"/>
-        <a:defRPr b="0" i="0" sz="1400" u="none" cap="none" strike="noStrike">
+        <a:defRPr sz="1400" b="0" i="0" u="none" strike="noStrike" cap="none">
           <a:solidFill>
             <a:srgbClr val="000000"/>
           </a:solidFill>
@@ -6017,7 +6139,7 @@
           <a:sym typeface="Arial"/>
         </a:defRPr>
       </a:lvl8pPr>
-      <a:lvl9pPr lvl="8" marR="0" rtl="0" algn="l">
+      <a:lvl9pPr marR="0" lvl="8" algn="l" rtl="0">
         <a:lnSpc>
           <a:spcPct val="100000"/>
         </a:lnSpc>
@@ -6031,7 +6153,7 @@
           <a:srgbClr val="000000"/>
         </a:buClr>
         <a:buFont typeface="Arial"/>
-        <a:defRPr b="0" i="0" sz="1400" u="none" cap="none" strike="noStrike">
+        <a:defRPr sz="1400" b="0" i="0" u="none" strike="noStrike" cap="none">
           <a:solidFill>
             <a:srgbClr val="000000"/>
           </a:solidFill>
@@ -6043,7 +6165,7 @@
       </a:lvl9pPr>
     </p:bodyStyle>
     <p:otherStyle>
-      <a:defPPr lvl="0" marR="0" rtl="0" algn="l">
+      <a:defPPr marR="0" lvl="0" algn="l" rtl="0">
         <a:lnSpc>
           <a:spcPct val="100000"/>
         </a:lnSpc>
@@ -6054,7 +6176,7 @@
           <a:spcPts val="0"/>
         </a:spcAft>
       </a:defPPr>
-      <a:lvl1pPr lvl="0" marR="0" rtl="0" algn="l">
+      <a:lvl1pPr marR="0" lvl="0" algn="l" rtl="0">
         <a:lnSpc>
           <a:spcPct val="100000"/>
         </a:lnSpc>
@@ -6068,7 +6190,7 @@
           <a:srgbClr val="000000"/>
         </a:buClr>
         <a:buFont typeface="Arial"/>
-        <a:defRPr b="0" i="0" sz="1400" u="none" cap="none" strike="noStrike">
+        <a:defRPr sz="1400" b="0" i="0" u="none" strike="noStrike" cap="none">
           <a:solidFill>
             <a:srgbClr val="000000"/>
           </a:solidFill>
@@ -6078,7 +6200,7 @@
           <a:sym typeface="Arial"/>
         </a:defRPr>
       </a:lvl1pPr>
-      <a:lvl2pPr lvl="1" marR="0" rtl="0" algn="l">
+      <a:lvl2pPr marR="0" lvl="1" algn="l" rtl="0">
         <a:lnSpc>
           <a:spcPct val="100000"/>
         </a:lnSpc>
@@ -6092,7 +6214,7 @@
           <a:srgbClr val="000000"/>
         </a:buClr>
         <a:buFont typeface="Arial"/>
-        <a:defRPr b="0" i="0" sz="1400" u="none" cap="none" strike="noStrike">
+        <a:defRPr sz="1400" b="0" i="0" u="none" strike="noStrike" cap="none">
           <a:solidFill>
             <a:srgbClr val="000000"/>
           </a:solidFill>
@@ -6102,7 +6224,7 @@
           <a:sym typeface="Arial"/>
         </a:defRPr>
       </a:lvl2pPr>
-      <a:lvl3pPr lvl="2" marR="0" rtl="0" algn="l">
+      <a:lvl3pPr marR="0" lvl="2" algn="l" rtl="0">
         <a:lnSpc>
           <a:spcPct val="100000"/>
         </a:lnSpc>
@@ -6116,7 +6238,7 @@
           <a:srgbClr val="000000"/>
         </a:buClr>
         <a:buFont typeface="Arial"/>
-        <a:defRPr b="0" i="0" sz="1400" u="none" cap="none" strike="noStrike">
+        <a:defRPr sz="1400" b="0" i="0" u="none" strike="noStrike" cap="none">
           <a:solidFill>
             <a:srgbClr val="000000"/>
           </a:solidFill>
@@ -6126,7 +6248,7 @@
           <a:sym typeface="Arial"/>
         </a:defRPr>
       </a:lvl3pPr>
-      <a:lvl4pPr lvl="3" marR="0" rtl="0" algn="l">
+      <a:lvl4pPr marR="0" lvl="3" algn="l" rtl="0">
         <a:lnSpc>
           <a:spcPct val="100000"/>
         </a:lnSpc>
@@ -6140,7 +6262,7 @@
           <a:srgbClr val="000000"/>
         </a:buClr>
         <a:buFont typeface="Arial"/>
-        <a:defRPr b="0" i="0" sz="1400" u="none" cap="none" strike="noStrike">
+        <a:defRPr sz="1400" b="0" i="0" u="none" strike="noStrike" cap="none">
           <a:solidFill>
             <a:srgbClr val="000000"/>
           </a:solidFill>
@@ -6150,7 +6272,7 @@
           <a:sym typeface="Arial"/>
         </a:defRPr>
       </a:lvl4pPr>
-      <a:lvl5pPr lvl="4" marR="0" rtl="0" algn="l">
+      <a:lvl5pPr marR="0" lvl="4" algn="l" rtl="0">
         <a:lnSpc>
           <a:spcPct val="100000"/>
         </a:lnSpc>
@@ -6164,7 +6286,7 @@
           <a:srgbClr val="000000"/>
         </a:buClr>
         <a:buFont typeface="Arial"/>
-        <a:defRPr b="0" i="0" sz="1400" u="none" cap="none" strike="noStrike">
+        <a:defRPr sz="1400" b="0" i="0" u="none" strike="noStrike" cap="none">
           <a:solidFill>
             <a:srgbClr val="000000"/>
           </a:solidFill>
@@ -6174,7 +6296,7 @@
           <a:sym typeface="Arial"/>
         </a:defRPr>
       </a:lvl5pPr>
-      <a:lvl6pPr lvl="5" marR="0" rtl="0" algn="l">
+      <a:lvl6pPr marR="0" lvl="5" algn="l" rtl="0">
         <a:lnSpc>
           <a:spcPct val="100000"/>
         </a:lnSpc>
@@ -6188,7 +6310,7 @@
           <a:srgbClr val="000000"/>
         </a:buClr>
         <a:buFont typeface="Arial"/>
-        <a:defRPr b="0" i="0" sz="1400" u="none" cap="none" strike="noStrike">
+        <a:defRPr sz="1400" b="0" i="0" u="none" strike="noStrike" cap="none">
           <a:solidFill>
             <a:srgbClr val="000000"/>
           </a:solidFill>
@@ -6198,7 +6320,7 @@
           <a:sym typeface="Arial"/>
         </a:defRPr>
       </a:lvl6pPr>
-      <a:lvl7pPr lvl="6" marR="0" rtl="0" algn="l">
+      <a:lvl7pPr marR="0" lvl="6" algn="l" rtl="0">
         <a:lnSpc>
           <a:spcPct val="100000"/>
         </a:lnSpc>
@@ -6212,7 +6334,7 @@
           <a:srgbClr val="000000"/>
         </a:buClr>
         <a:buFont typeface="Arial"/>
-        <a:defRPr b="0" i="0" sz="1400" u="none" cap="none" strike="noStrike">
+        <a:defRPr sz="1400" b="0" i="0" u="none" strike="noStrike" cap="none">
           <a:solidFill>
             <a:srgbClr val="000000"/>
           </a:solidFill>
@@ -6222,7 +6344,7 @@
           <a:sym typeface="Arial"/>
         </a:defRPr>
       </a:lvl7pPr>
-      <a:lvl8pPr lvl="7" marR="0" rtl="0" algn="l">
+      <a:lvl8pPr marR="0" lvl="7" algn="l" rtl="0">
         <a:lnSpc>
           <a:spcPct val="100000"/>
         </a:lnSpc>
@@ -6236,7 +6358,7 @@
           <a:srgbClr val="000000"/>
         </a:buClr>
         <a:buFont typeface="Arial"/>
-        <a:defRPr b="0" i="0" sz="1400" u="none" cap="none" strike="noStrike">
+        <a:defRPr sz="1400" b="0" i="0" u="none" strike="noStrike" cap="none">
           <a:solidFill>
             <a:srgbClr val="000000"/>
           </a:solidFill>
@@ -6246,7 +6368,7 @@
           <a:sym typeface="Arial"/>
         </a:defRPr>
       </a:lvl8pPr>
-      <a:lvl9pPr lvl="8" marR="0" rtl="0" algn="l">
+      <a:lvl9pPr marR="0" lvl="8" algn="l" rtl="0">
         <a:lnSpc>
           <a:spcPct val="100000"/>
         </a:lnSpc>
@@ -6260,7 +6382,7 @@
           <a:srgbClr val="000000"/>
         </a:buClr>
         <a:buFont typeface="Arial"/>
-        <a:defRPr b="0" i="0" sz="1400" u="none" cap="none" strike="noStrike">
+        <a:defRPr sz="1400" b="0" i="0" u="none" strike="noStrike" cap="none">
           <a:solidFill>
             <a:srgbClr val="000000"/>
           </a:solidFill>
@@ -6276,11 +6398,11 @@
 </file>
 
 <file path=ppt/slides/slide1.xml><?xml version="1.0" encoding="utf-8"?>
-<p:sld xmlns:a="http://schemas.openxmlformats.org/drawingml/2006/main" xmlns:r="http://schemas.openxmlformats.org/officeDocument/2006/relationships" xmlns:mc="http://schemas.openxmlformats.org/markup-compatibility/2006" xmlns:mv="urn:schemas-microsoft-com:mac:vml" xmlns:p="http://schemas.openxmlformats.org/presentationml/2006/main" xmlns:c="http://schemas.openxmlformats.org/drawingml/2006/chart" xmlns:dgm="http://schemas.openxmlformats.org/drawingml/2006/diagram" xmlns:o="urn:schemas-microsoft-com:office:office" xmlns:v="urn:schemas-microsoft-com:vml" xmlns:pvml="urn:schemas-microsoft-com:office:powerpoint" xmlns:com="http://schemas.openxmlformats.org/drawingml/2006/compatibility" xmlns:p14="http://schemas.microsoft.com/office/powerpoint/2010/main" xmlns:p15="http://schemas.microsoft.com/office/powerpoint/2012/main">
+<p:sld xmlns:a="http://schemas.openxmlformats.org/drawingml/2006/main" xmlns:r="http://schemas.openxmlformats.org/officeDocument/2006/relationships" xmlns:p="http://schemas.openxmlformats.org/presentationml/2006/main">
   <p:cSld>
     <p:spTree>
       <p:nvGrpSpPr>
-        <p:cNvPr id="58" name="Shape 58"/>
+        <p:cNvPr id="1" name="Shape 58"/>
         <p:cNvGrpSpPr/>
         <p:nvPr/>
       </p:nvGrpSpPr>
@@ -6295,7 +6417,9 @@
       <p:sp>
         <p:nvSpPr>
           <p:cNvPr id="59" name="Google Shape;59;p13"/>
-          <p:cNvSpPr txBox="1"/>
+          <p:cNvSpPr txBox="1">
+            <a:spLocks noGrp="1"/>
+          </p:cNvSpPr>
           <p:nvPr>
             <p:ph type="title"/>
           </p:nvPr>
@@ -6310,12 +6434,12 @@
           </a:prstGeom>
         </p:spPr>
         <p:txBody>
-          <a:bodyPr anchorCtr="0" anchor="t" bIns="91425" lIns="91425" spcFirstLastPara="1" rIns="91425" wrap="square" tIns="91425">
+          <a:bodyPr spcFirstLastPara="1" wrap="square" lIns="91425" tIns="91425" rIns="91425" bIns="91425" anchor="t" anchorCtr="0">
             <a:noAutofit/>
           </a:bodyPr>
           <a:lstStyle/>
           <a:p>
-            <a:pPr indent="0" lvl="0" marL="0" rtl="0" algn="l">
+            <a:pPr marL="0" lvl="0" indent="0" algn="l" rtl="0">
               <a:spcBef>
                 <a:spcPts val="0"/>
               </a:spcBef>
@@ -6339,9 +6463,11 @@
       <p:sp>
         <p:nvSpPr>
           <p:cNvPr id="60" name="Google Shape;60;p13"/>
-          <p:cNvSpPr txBox="1"/>
+          <p:cNvSpPr txBox="1">
+            <a:spLocks noGrp="1"/>
+          </p:cNvSpPr>
           <p:nvPr>
-            <p:ph idx="1" type="body"/>
+            <p:ph type="body" idx="1"/>
           </p:nvPr>
         </p:nvSpPr>
         <p:spPr>
@@ -6354,12 +6480,12 @@
           </a:prstGeom>
         </p:spPr>
         <p:txBody>
-          <a:bodyPr anchorCtr="0" anchor="t" bIns="91425" lIns="91425" spcFirstLastPara="1" rIns="91425" wrap="square" tIns="91425">
+          <a:bodyPr spcFirstLastPara="1" wrap="square" lIns="91425" tIns="91425" rIns="91425" bIns="91425" anchor="t" anchorCtr="0">
             <a:noAutofit/>
           </a:bodyPr>
           <a:lstStyle/>
           <a:p>
-            <a:pPr indent="-342900" lvl="0" marL="457200" rtl="0" algn="l">
+            <a:pPr marL="457200" lvl="0" indent="-342900" algn="l" rtl="0">
               <a:spcBef>
                 <a:spcPts val="0"/>
               </a:spcBef>
@@ -6370,13 +6496,72 @@
               <a:buChar char="●"/>
             </a:pPr>
             <a:r>
-              <a:rPr lang="en"/>
-              <a:t>Remember the GitHub Commands</a:t>
+              <a:rPr lang="en" dirty="0" smtClean="0"/>
+              <a:t>What is Git</a:t>
             </a:r>
-            <a:endParaRPr/>
           </a:p>
           <a:p>
-            <a:pPr indent="-317500" lvl="1" marL="914400" rtl="0" algn="l">
+            <a:pPr lvl="1" indent="-342900">
+              <a:spcBef>
+                <a:spcPts val="0"/>
+              </a:spcBef>
+              <a:buSzPts val="1800"/>
+              <a:buChar char="●"/>
+            </a:pPr>
+            <a:r>
+              <a:rPr lang="en" dirty="0" smtClean="0"/>
+              <a:t>Git is a version control software – Tracks and stores versions of code</a:t>
+            </a:r>
+          </a:p>
+          <a:p>
+            <a:pPr lvl="1" indent="-342900">
+              <a:spcBef>
+                <a:spcPts val="0"/>
+              </a:spcBef>
+              <a:buSzPts val="1800"/>
+              <a:buChar char="●"/>
+            </a:pPr>
+            <a:r>
+              <a:rPr lang="en" dirty="0" smtClean="0"/>
+              <a:t>Every user can clone a local repository they can work on.</a:t>
+            </a:r>
+          </a:p>
+          <a:p>
+            <a:pPr lvl="1" indent="-342900">
+              <a:spcBef>
+                <a:spcPts val="0"/>
+              </a:spcBef>
+              <a:buSzPts val="1800"/>
+              <a:buChar char="●"/>
+            </a:pPr>
+            <a:r>
+              <a:rPr lang="en" dirty="0" smtClean="0"/>
+              <a:t>Dvelopers can create branches, which can be merged with master branch.</a:t>
+            </a:r>
+          </a:p>
+          <a:p>
+            <a:pPr marL="457200" lvl="0" indent="-342900" algn="l" rtl="0">
+              <a:spcBef>
+                <a:spcPts val="0"/>
+              </a:spcBef>
+              <a:spcAft>
+                <a:spcPts val="0"/>
+              </a:spcAft>
+              <a:buSzPts val="1800"/>
+              <a:buChar char="●"/>
+            </a:pPr>
+            <a:r>
+              <a:rPr lang="en" dirty="0" smtClean="0"/>
+              <a:t>Remember </a:t>
+            </a:r>
+            <a:r>
+              <a:rPr lang="en" dirty="0"/>
+              <a:t>the GitHub Commands</a:t>
+            </a:r>
+            <a:endParaRPr dirty="0"/>
+          </a:p>
+          <a:p>
+            <a:pPr marL="914400" lvl="1" indent="-317500" algn="l" rtl="0">
               <a:spcBef>
                 <a:spcPts val="0"/>
               </a:spcBef>
@@ -6387,13 +6572,13 @@
               <a:buChar char="○"/>
             </a:pPr>
             <a:r>
-              <a:rPr lang="en"/>
+              <a:rPr lang="en" dirty="0"/>
               <a:t>Memorize or keep a reference of the commands nearby</a:t>
             </a:r>
-            <a:endParaRPr/>
+            <a:endParaRPr dirty="0"/>
           </a:p>
           <a:p>
-            <a:pPr indent="-317500" lvl="1" marL="914400" rtl="0" algn="l">
+            <a:pPr marL="914400" lvl="1" indent="-317500" algn="l" rtl="0">
               <a:spcBef>
                 <a:spcPts val="0"/>
               </a:spcBef>
@@ -6404,13 +6589,13 @@
               <a:buChar char="○"/>
             </a:pPr>
             <a:r>
-              <a:rPr lang="en"/>
+              <a:rPr lang="en" dirty="0"/>
               <a:t>Certain specific commands are needed to perform certain functions</a:t>
             </a:r>
-            <a:endParaRPr/>
+            <a:endParaRPr dirty="0"/>
           </a:p>
           <a:p>
-            <a:pPr indent="-317500" lvl="1" marL="914400" rtl="0" algn="l">
+            <a:pPr marL="914400" lvl="1" indent="-317500" algn="l" rtl="0">
               <a:spcBef>
                 <a:spcPts val="0"/>
               </a:spcBef>
@@ -6421,13 +6606,25 @@
               <a:buChar char="○"/>
             </a:pPr>
             <a:r>
-              <a:rPr lang="en"/>
-              <a:t>Commands are not the most intuitive</a:t>
+              <a:rPr lang="en" dirty="0" smtClean="0"/>
+              <a:t>Some c</a:t>
             </a:r>
-            <a:endParaRPr/>
+            <a:r>
+              <a:rPr lang="en" dirty="0" smtClean="0"/>
+              <a:t>ommands </a:t>
+            </a:r>
+            <a:r>
+              <a:rPr lang="en" dirty="0"/>
+              <a:t>are not the most </a:t>
+            </a:r>
+            <a:r>
+              <a:rPr lang="en" dirty="0" smtClean="0"/>
+              <a:t>intuitive as they must be run to realize function</a:t>
+            </a:r>
+            <a:endParaRPr dirty="0"/>
           </a:p>
           <a:p>
-            <a:pPr indent="-317500" lvl="1" marL="914400" rtl="0" algn="l">
+            <a:pPr marL="914400" lvl="1" indent="-317500" algn="l" rtl="0">
               <a:spcBef>
                 <a:spcPts val="0"/>
               </a:spcBef>
@@ -6438,13 +6635,17 @@
               <a:buChar char="○"/>
             </a:pPr>
             <a:r>
-              <a:rPr lang="en"/>
-              <a:t>Incorrect commands can lead to problems</a:t>
+              <a:rPr lang="en" dirty="0"/>
+              <a:t>Incorrect commands can lead to </a:t>
             </a:r>
-            <a:endParaRPr/>
+            <a:r>
+              <a:rPr lang="en" dirty="0" smtClean="0"/>
+              <a:t>problems</a:t>
+            </a:r>
+            <a:endParaRPr dirty="0"/>
           </a:p>
           <a:p>
-            <a:pPr indent="-317500" lvl="1" marL="914400" rtl="0" algn="l">
+            <a:pPr marL="914400" lvl="1" indent="-317500" algn="l" rtl="0">
               <a:spcBef>
                 <a:spcPts val="0"/>
               </a:spcBef>
@@ -6455,10 +6656,10 @@
               <a:buChar char="○"/>
             </a:pPr>
             <a:r>
-              <a:rPr lang="en"/>
+              <a:rPr lang="en" dirty="0"/>
               <a:t>Commands are needed to pull, commit, and push changes and contributions to the upstream</a:t>
             </a:r>
-            <a:endParaRPr/>
+            <a:endParaRPr dirty="0"/>
           </a:p>
         </p:txBody>
       </p:sp>
@@ -6471,7 +6672,288 @@
 </file>
 
 <file path=ppt/theme/theme1.xml><?xml version="1.0" encoding="utf-8"?>
-<a:theme xmlns:a="http://schemas.openxmlformats.org/drawingml/2006/main" xmlns:r="http://schemas.openxmlformats.org/officeDocument/2006/relationships">
+<a:theme xmlns:a="http://schemas.openxmlformats.org/drawingml/2006/main" name="Paperback">
+  <a:themeElements>
+    <a:clrScheme name="Paperback">
+      <a:dk1>
+        <a:srgbClr val="000000"/>
+      </a:dk1>
+      <a:lt1>
+        <a:srgbClr val="FFFFFF"/>
+      </a:lt1>
+      <a:dk2>
+        <a:srgbClr val="00695C"/>
+      </a:dk2>
+      <a:lt2>
+        <a:srgbClr val="26A69A"/>
+      </a:lt2>
+      <a:accent1>
+        <a:srgbClr val="FFFBF0"/>
+      </a:accent1>
+      <a:accent2>
+        <a:srgbClr val="B7B7B7"/>
+      </a:accent2>
+      <a:accent3>
+        <a:srgbClr val="FB8C00"/>
+      </a:accent3>
+      <a:accent4>
+        <a:srgbClr val="80CBC4"/>
+      </a:accent4>
+      <a:accent5>
+        <a:srgbClr val="AF4345"/>
+      </a:accent5>
+      <a:accent6>
+        <a:srgbClr val="F58F8F"/>
+      </a:accent6>
+      <a:hlink>
+        <a:srgbClr val="AF4345"/>
+      </a:hlink>
+      <a:folHlink>
+        <a:srgbClr val="AF4345"/>
+      </a:folHlink>
+    </a:clrScheme>
+    <a:fontScheme name="Office">
+      <a:majorFont>
+        <a:latin typeface="Arial"/>
+        <a:ea typeface=""/>
+        <a:cs typeface=""/>
+        <a:font script="Jpan" typeface="ＭＳ Ｐゴシック"/>
+        <a:font script="Hang" typeface="맑은 고딕"/>
+        <a:font script="Hans" typeface="宋体"/>
+        <a:font script="Hant" typeface="新細明體"/>
+        <a:font script="Arab" typeface="Times New Roman"/>
+        <a:font script="Hebr" typeface="Times New Roman"/>
+        <a:font script="Thai" typeface="Angsana New"/>
+        <a:font script="Ethi" typeface="Nyala"/>
+        <a:font script="Beng" typeface="Vrinda"/>
+        <a:font script="Gujr" typeface="Shruti"/>
+        <a:font script="Khmr" typeface="MoolBoran"/>
+        <a:font script="Knda" typeface="Tunga"/>
+        <a:font script="Guru" typeface="Raavi"/>
+        <a:font script="Cans" typeface="Euphemia"/>
+        <a:font script="Cher" typeface="Plantagenet Cherokee"/>
+        <a:font script="Yiii" typeface="Microsoft Yi Baiti"/>
+        <a:font script="Tibt" typeface="Microsoft Himalaya"/>
+        <a:font script="Thaa" typeface="MV Boli"/>
+        <a:font script="Deva" typeface="Mangal"/>
+        <a:font script="Telu" typeface="Gautami"/>
+        <a:font script="Taml" typeface="Latha"/>
+        <a:font script="Syrc" typeface="Estrangelo Edessa"/>
+        <a:font script="Orya" typeface="Kalinga"/>
+        <a:font script="Mlym" typeface="Kartika"/>
+        <a:font script="Laoo" typeface="DokChampa"/>
+        <a:font script="Sinh" typeface="Iskoola Pota"/>
+        <a:font script="Mong" typeface="Mongolian Baiti"/>
+        <a:font script="Viet" typeface="Times New Roman"/>
+        <a:font script="Uigh" typeface="Microsoft Uighur"/>
+        <a:font script="Geor" typeface="Sylfaen"/>
+      </a:majorFont>
+      <a:minorFont>
+        <a:latin typeface="Arial"/>
+        <a:ea typeface=""/>
+        <a:cs typeface=""/>
+        <a:font script="Jpan" typeface="ＭＳ Ｐゴシック"/>
+        <a:font script="Hang" typeface="맑은 고딕"/>
+        <a:font script="Hans" typeface="宋体"/>
+        <a:font script="Hant" typeface="新細明體"/>
+        <a:font script="Arab" typeface="Arial"/>
+        <a:font script="Hebr" typeface="Arial"/>
+        <a:font script="Thai" typeface="Cordia New"/>
+        <a:font script="Ethi" typeface="Nyala"/>
+        <a:font script="Beng" typeface="Vrinda"/>
+        <a:font script="Gujr" typeface="Shruti"/>
+        <a:font script="Khmr" typeface="DaunPenh"/>
+        <a:font script="Knda" typeface="Tunga"/>
+        <a:font script="Guru" typeface="Raavi"/>
+        <a:font script="Cans" typeface="Euphemia"/>
+        <a:font script="Cher" typeface="Plantagenet Cherokee"/>
+        <a:font script="Yiii" typeface="Microsoft Yi Baiti"/>
+        <a:font script="Tibt" typeface="Microsoft Himalaya"/>
+        <a:font script="Thaa" typeface="MV Boli"/>
+        <a:font script="Deva" typeface="Mangal"/>
+        <a:font script="Telu" typeface="Gautami"/>
+        <a:font script="Taml" typeface="Latha"/>
+        <a:font script="Syrc" typeface="Estrangelo Edessa"/>
+        <a:font script="Orya" typeface="Kalinga"/>
+        <a:font script="Mlym" typeface="Kartika"/>
+        <a:font script="Laoo" typeface="DokChampa"/>
+        <a:font script="Sinh" typeface="Iskoola Pota"/>
+        <a:font script="Mong" typeface="Mongolian Baiti"/>
+        <a:font script="Viet" typeface="Arial"/>
+        <a:font script="Uigh" typeface="Microsoft Uighur"/>
+        <a:font script="Geor" typeface="Sylfaen"/>
+      </a:minorFont>
+    </a:fontScheme>
+    <a:fmtScheme name="Office">
+      <a:fillStyleLst>
+        <a:solidFill>
+          <a:schemeClr val="phClr"/>
+        </a:solidFill>
+        <a:gradFill rotWithShape="1">
+          <a:gsLst>
+            <a:gs pos="0">
+              <a:schemeClr val="phClr">
+                <a:tint val="50000"/>
+                <a:satMod val="300000"/>
+              </a:schemeClr>
+            </a:gs>
+            <a:gs pos="35000">
+              <a:schemeClr val="phClr">
+                <a:tint val="37000"/>
+                <a:satMod val="300000"/>
+              </a:schemeClr>
+            </a:gs>
+            <a:gs pos="100000">
+              <a:schemeClr val="phClr">
+                <a:tint val="15000"/>
+                <a:satMod val="350000"/>
+              </a:schemeClr>
+            </a:gs>
+          </a:gsLst>
+          <a:lin ang="16200000" scaled="1"/>
+        </a:gradFill>
+        <a:gradFill rotWithShape="1">
+          <a:gsLst>
+            <a:gs pos="0">
+              <a:schemeClr val="phClr">
+                <a:tint val="100000"/>
+                <a:shade val="100000"/>
+                <a:satMod val="130000"/>
+              </a:schemeClr>
+            </a:gs>
+            <a:gs pos="100000">
+              <a:schemeClr val="phClr">
+                <a:tint val="50000"/>
+                <a:shade val="100000"/>
+                <a:satMod val="350000"/>
+              </a:schemeClr>
+            </a:gs>
+          </a:gsLst>
+          <a:lin ang="16200000" scaled="0"/>
+        </a:gradFill>
+      </a:fillStyleLst>
+      <a:lnStyleLst>
+        <a:ln w="9525" cap="flat" cmpd="sng" algn="ctr">
+          <a:solidFill>
+            <a:schemeClr val="phClr">
+              <a:shade val="95000"/>
+              <a:satMod val="105000"/>
+            </a:schemeClr>
+          </a:solidFill>
+          <a:prstDash val="solid"/>
+        </a:ln>
+        <a:ln w="25400" cap="flat" cmpd="sng" algn="ctr">
+          <a:solidFill>
+            <a:schemeClr val="phClr"/>
+          </a:solidFill>
+          <a:prstDash val="solid"/>
+        </a:ln>
+        <a:ln w="38100" cap="flat" cmpd="sng" algn="ctr">
+          <a:solidFill>
+            <a:schemeClr val="phClr"/>
+          </a:solidFill>
+          <a:prstDash val="solid"/>
+        </a:ln>
+      </a:lnStyleLst>
+      <a:effectStyleLst>
+        <a:effectStyle>
+          <a:effectLst>
+            <a:outerShdw blurRad="40000" dist="20000" dir="5400000" rotWithShape="0">
+              <a:srgbClr val="000000">
+                <a:alpha val="38000"/>
+              </a:srgbClr>
+            </a:outerShdw>
+          </a:effectLst>
+        </a:effectStyle>
+        <a:effectStyle>
+          <a:effectLst>
+            <a:outerShdw blurRad="40000" dist="23000" dir="5400000" rotWithShape="0">
+              <a:srgbClr val="000000">
+                <a:alpha val="35000"/>
+              </a:srgbClr>
+            </a:outerShdw>
+          </a:effectLst>
+        </a:effectStyle>
+        <a:effectStyle>
+          <a:effectLst>
+            <a:outerShdw blurRad="40000" dist="23000" dir="5400000" rotWithShape="0">
+              <a:srgbClr val="000000">
+                <a:alpha val="35000"/>
+              </a:srgbClr>
+            </a:outerShdw>
+          </a:effectLst>
+          <a:scene3d>
+            <a:camera prst="orthographicFront">
+              <a:rot lat="0" lon="0" rev="0"/>
+            </a:camera>
+            <a:lightRig rig="threePt" dir="t">
+              <a:rot lat="0" lon="0" rev="1200000"/>
+            </a:lightRig>
+          </a:scene3d>
+          <a:sp3d>
+            <a:bevelT w="63500" h="25400"/>
+          </a:sp3d>
+        </a:effectStyle>
+      </a:effectStyleLst>
+      <a:bgFillStyleLst>
+        <a:solidFill>
+          <a:schemeClr val="phClr"/>
+        </a:solidFill>
+        <a:gradFill rotWithShape="1">
+          <a:gsLst>
+            <a:gs pos="0">
+              <a:schemeClr val="phClr">
+                <a:tint val="40000"/>
+                <a:satMod val="350000"/>
+              </a:schemeClr>
+            </a:gs>
+            <a:gs pos="40000">
+              <a:schemeClr val="phClr">
+                <a:tint val="45000"/>
+                <a:shade val="99000"/>
+                <a:satMod val="350000"/>
+              </a:schemeClr>
+            </a:gs>
+            <a:gs pos="100000">
+              <a:schemeClr val="phClr">
+                <a:shade val="20000"/>
+                <a:satMod val="255000"/>
+              </a:schemeClr>
+            </a:gs>
+          </a:gsLst>
+          <a:path path="circle">
+            <a:fillToRect l="50000" t="-80000" r="50000" b="180000"/>
+          </a:path>
+        </a:gradFill>
+        <a:gradFill rotWithShape="1">
+          <a:gsLst>
+            <a:gs pos="0">
+              <a:schemeClr val="phClr">
+                <a:tint val="80000"/>
+                <a:satMod val="300000"/>
+              </a:schemeClr>
+            </a:gs>
+            <a:gs pos="100000">
+              <a:schemeClr val="phClr">
+                <a:shade val="30000"/>
+                <a:satMod val="200000"/>
+              </a:schemeClr>
+            </a:gs>
+          </a:gsLst>
+          <a:path path="circle">
+            <a:fillToRect l="50000" t="50000" r="50000" b="50000"/>
+          </a:path>
+        </a:gradFill>
+      </a:bgFillStyleLst>
+    </a:fmtScheme>
+  </a:themeElements>
+  <a:objectDefaults/>
+  <a:extraClrSchemeLst/>
+</a:theme>
+</file>
+
+<file path=ppt/theme/theme2.xml><?xml version="1.0" encoding="utf-8"?>
+<a:theme xmlns:a="http://schemas.openxmlformats.org/drawingml/2006/main">
   <a:themeElements>
     <a:clrScheme name="Default">
       <a:dk1>
@@ -6746,284 +7228,7 @@
       </a:bgFillStyleLst>
     </a:fmtScheme>
   </a:themeElements>
-</a:theme>
-</file>
-
-<file path=ppt/theme/theme2.xml><?xml version="1.0" encoding="utf-8"?>
-<a:theme xmlns:a="http://schemas.openxmlformats.org/drawingml/2006/main" xmlns:r="http://schemas.openxmlformats.org/officeDocument/2006/relationships" name="Paperback">
-  <a:themeElements>
-    <a:clrScheme name="Paperback">
-      <a:dk1>
-        <a:srgbClr val="000000"/>
-      </a:dk1>
-      <a:lt1>
-        <a:srgbClr val="FFFFFF"/>
-      </a:lt1>
-      <a:dk2>
-        <a:srgbClr val="00695C"/>
-      </a:dk2>
-      <a:lt2>
-        <a:srgbClr val="26A69A"/>
-      </a:lt2>
-      <a:accent1>
-        <a:srgbClr val="FFFBF0"/>
-      </a:accent1>
-      <a:accent2>
-        <a:srgbClr val="B7B7B7"/>
-      </a:accent2>
-      <a:accent3>
-        <a:srgbClr val="FB8C00"/>
-      </a:accent3>
-      <a:accent4>
-        <a:srgbClr val="80CBC4"/>
-      </a:accent4>
-      <a:accent5>
-        <a:srgbClr val="AF4345"/>
-      </a:accent5>
-      <a:accent6>
-        <a:srgbClr val="F58F8F"/>
-      </a:accent6>
-      <a:hlink>
-        <a:srgbClr val="AF4345"/>
-      </a:hlink>
-      <a:folHlink>
-        <a:srgbClr val="AF4345"/>
-      </a:folHlink>
-    </a:clrScheme>
-    <a:fontScheme name="Office">
-      <a:majorFont>
-        <a:latin typeface="Arial"/>
-        <a:ea typeface=""/>
-        <a:cs typeface=""/>
-        <a:font script="Jpan" typeface="ＭＳ Ｐゴシック"/>
-        <a:font script="Hang" typeface="맑은 고딕"/>
-        <a:font script="Hans" typeface="宋体"/>
-        <a:font script="Hant" typeface="新細明體"/>
-        <a:font script="Arab" typeface="Times New Roman"/>
-        <a:font script="Hebr" typeface="Times New Roman"/>
-        <a:font script="Thai" typeface="Angsana New"/>
-        <a:font script="Ethi" typeface="Nyala"/>
-        <a:font script="Beng" typeface="Vrinda"/>
-        <a:font script="Gujr" typeface="Shruti"/>
-        <a:font script="Khmr" typeface="MoolBoran"/>
-        <a:font script="Knda" typeface="Tunga"/>
-        <a:font script="Guru" typeface="Raavi"/>
-        <a:font script="Cans" typeface="Euphemia"/>
-        <a:font script="Cher" typeface="Plantagenet Cherokee"/>
-        <a:font script="Yiii" typeface="Microsoft Yi Baiti"/>
-        <a:font script="Tibt" typeface="Microsoft Himalaya"/>
-        <a:font script="Thaa" typeface="MV Boli"/>
-        <a:font script="Deva" typeface="Mangal"/>
-        <a:font script="Telu" typeface="Gautami"/>
-        <a:font script="Taml" typeface="Latha"/>
-        <a:font script="Syrc" typeface="Estrangelo Edessa"/>
-        <a:font script="Orya" typeface="Kalinga"/>
-        <a:font script="Mlym" typeface="Kartika"/>
-        <a:font script="Laoo" typeface="DokChampa"/>
-        <a:font script="Sinh" typeface="Iskoola Pota"/>
-        <a:font script="Mong" typeface="Mongolian Baiti"/>
-        <a:font script="Viet" typeface="Times New Roman"/>
-        <a:font script="Uigh" typeface="Microsoft Uighur"/>
-        <a:font script="Geor" typeface="Sylfaen"/>
-      </a:majorFont>
-      <a:minorFont>
-        <a:latin typeface="Arial"/>
-        <a:ea typeface=""/>
-        <a:cs typeface=""/>
-        <a:font script="Jpan" typeface="ＭＳ Ｐゴシック"/>
-        <a:font script="Hang" typeface="맑은 고딕"/>
-        <a:font script="Hans" typeface="宋体"/>
-        <a:font script="Hant" typeface="新細明體"/>
-        <a:font script="Arab" typeface="Arial"/>
-        <a:font script="Hebr" typeface="Arial"/>
-        <a:font script="Thai" typeface="Cordia New"/>
-        <a:font script="Ethi" typeface="Nyala"/>
-        <a:font script="Beng" typeface="Vrinda"/>
-        <a:font script="Gujr" typeface="Shruti"/>
-        <a:font script="Khmr" typeface="DaunPenh"/>
-        <a:font script="Knda" typeface="Tunga"/>
-        <a:font script="Guru" typeface="Raavi"/>
-        <a:font script="Cans" typeface="Euphemia"/>
-        <a:font script="Cher" typeface="Plantagenet Cherokee"/>
-        <a:font script="Yiii" typeface="Microsoft Yi Baiti"/>
-        <a:font script="Tibt" typeface="Microsoft Himalaya"/>
-        <a:font script="Thaa" typeface="MV Boli"/>
-        <a:font script="Deva" typeface="Mangal"/>
-        <a:font script="Telu" typeface="Gautami"/>
-        <a:font script="Taml" typeface="Latha"/>
-        <a:font script="Syrc" typeface="Estrangelo Edessa"/>
-        <a:font script="Orya" typeface="Kalinga"/>
-        <a:font script="Mlym" typeface="Kartika"/>
-        <a:font script="Laoo" typeface="DokChampa"/>
-        <a:font script="Sinh" typeface="Iskoola Pota"/>
-        <a:font script="Mong" typeface="Mongolian Baiti"/>
-        <a:font script="Viet" typeface="Arial"/>
-        <a:font script="Uigh" typeface="Microsoft Uighur"/>
-        <a:font script="Geor" typeface="Sylfaen"/>
-      </a:minorFont>
-    </a:fontScheme>
-    <a:fmtScheme name="Office">
-      <a:fillStyleLst>
-        <a:solidFill>
-          <a:schemeClr val="phClr"/>
-        </a:solidFill>
-        <a:gradFill rotWithShape="1">
-          <a:gsLst>
-            <a:gs pos="0">
-              <a:schemeClr val="phClr">
-                <a:tint val="50000"/>
-                <a:satMod val="300000"/>
-              </a:schemeClr>
-            </a:gs>
-            <a:gs pos="35000">
-              <a:schemeClr val="phClr">
-                <a:tint val="37000"/>
-                <a:satMod val="300000"/>
-              </a:schemeClr>
-            </a:gs>
-            <a:gs pos="100000">
-              <a:schemeClr val="phClr">
-                <a:tint val="15000"/>
-                <a:satMod val="350000"/>
-              </a:schemeClr>
-            </a:gs>
-          </a:gsLst>
-          <a:lin ang="16200000" scaled="1"/>
-        </a:gradFill>
-        <a:gradFill rotWithShape="1">
-          <a:gsLst>
-            <a:gs pos="0">
-              <a:schemeClr val="phClr">
-                <a:tint val="100000"/>
-                <a:shade val="100000"/>
-                <a:satMod val="130000"/>
-              </a:schemeClr>
-            </a:gs>
-            <a:gs pos="100000">
-              <a:schemeClr val="phClr">
-                <a:tint val="50000"/>
-                <a:shade val="100000"/>
-                <a:satMod val="350000"/>
-              </a:schemeClr>
-            </a:gs>
-          </a:gsLst>
-          <a:lin ang="16200000" scaled="0"/>
-        </a:gradFill>
-      </a:fillStyleLst>
-      <a:lnStyleLst>
-        <a:ln w="9525" cap="flat" cmpd="sng" algn="ctr">
-          <a:solidFill>
-            <a:schemeClr val="phClr">
-              <a:shade val="95000"/>
-              <a:satMod val="105000"/>
-            </a:schemeClr>
-          </a:solidFill>
-          <a:prstDash val="solid"/>
-        </a:ln>
-        <a:ln w="25400" cap="flat" cmpd="sng" algn="ctr">
-          <a:solidFill>
-            <a:schemeClr val="phClr"/>
-          </a:solidFill>
-          <a:prstDash val="solid"/>
-        </a:ln>
-        <a:ln w="38100" cap="flat" cmpd="sng" algn="ctr">
-          <a:solidFill>
-            <a:schemeClr val="phClr"/>
-          </a:solidFill>
-          <a:prstDash val="solid"/>
-        </a:ln>
-      </a:lnStyleLst>
-      <a:effectStyleLst>
-        <a:effectStyle>
-          <a:effectLst>
-            <a:outerShdw blurRad="40000" dist="20000" dir="5400000" rotWithShape="0">
-              <a:srgbClr val="000000">
-                <a:alpha val="38000"/>
-              </a:srgbClr>
-            </a:outerShdw>
-          </a:effectLst>
-        </a:effectStyle>
-        <a:effectStyle>
-          <a:effectLst>
-            <a:outerShdw blurRad="40000" dist="23000" dir="5400000" rotWithShape="0">
-              <a:srgbClr val="000000">
-                <a:alpha val="35000"/>
-              </a:srgbClr>
-            </a:outerShdw>
-          </a:effectLst>
-        </a:effectStyle>
-        <a:effectStyle>
-          <a:effectLst>
-            <a:outerShdw blurRad="40000" dist="23000" dir="5400000" rotWithShape="0">
-              <a:srgbClr val="000000">
-                <a:alpha val="35000"/>
-              </a:srgbClr>
-            </a:outerShdw>
-          </a:effectLst>
-          <a:scene3d>
-            <a:camera prst="orthographicFront">
-              <a:rot lat="0" lon="0" rev="0"/>
-            </a:camera>
-            <a:lightRig rig="threePt" dir="t">
-              <a:rot lat="0" lon="0" rev="1200000"/>
-            </a:lightRig>
-          </a:scene3d>
-          <a:sp3d>
-            <a:bevelT w="63500" h="25400"/>
-          </a:sp3d>
-        </a:effectStyle>
-      </a:effectStyleLst>
-      <a:bgFillStyleLst>
-        <a:solidFill>
-          <a:schemeClr val="phClr"/>
-        </a:solidFill>
-        <a:gradFill rotWithShape="1">
-          <a:gsLst>
-            <a:gs pos="0">
-              <a:schemeClr val="phClr">
-                <a:tint val="40000"/>
-                <a:satMod val="350000"/>
-              </a:schemeClr>
-            </a:gs>
-            <a:gs pos="40000">
-              <a:schemeClr val="phClr">
-                <a:tint val="45000"/>
-                <a:shade val="99000"/>
-                <a:satMod val="350000"/>
-              </a:schemeClr>
-            </a:gs>
-            <a:gs pos="100000">
-              <a:schemeClr val="phClr">
-                <a:shade val="20000"/>
-                <a:satMod val="255000"/>
-              </a:schemeClr>
-            </a:gs>
-          </a:gsLst>
-          <a:path path="circle">
-            <a:fillToRect l="50000" t="-80000" r="50000" b="180000"/>
-          </a:path>
-        </a:gradFill>
-        <a:gradFill rotWithShape="1">
-          <a:gsLst>
-            <a:gs pos="0">
-              <a:schemeClr val="phClr">
-                <a:tint val="80000"/>
-                <a:satMod val="300000"/>
-              </a:schemeClr>
-            </a:gs>
-            <a:gs pos="100000">
-              <a:schemeClr val="phClr">
-                <a:shade val="30000"/>
-                <a:satMod val="200000"/>
-              </a:schemeClr>
-            </a:gs>
-          </a:gsLst>
-          <a:path path="circle">
-            <a:fillToRect l="50000" t="50000" r="50000" b="50000"/>
-          </a:path>
-        </a:gradFill>
-      </a:bgFillStyleLst>
-    </a:fmtScheme>
-  </a:themeElements>
+  <a:objectDefaults/>
+  <a:extraClrSchemeLst/>
 </a:theme>
 </file>